--- a/PPT/DeepLearning25-Keras.pptx
+++ b/PPT/DeepLearning25-Keras.pptx
@@ -5,10 +5,10 @@
     <p:sldMasterId id="2147483653" r:id="rId1"/>
   </p:sldMasterIdLst>
   <p:notesMasterIdLst>
-    <p:notesMasterId r:id="rId29"/>
+    <p:notesMasterId r:id="rId24"/>
   </p:notesMasterIdLst>
   <p:handoutMasterIdLst>
-    <p:handoutMasterId r:id="rId30"/>
+    <p:handoutMasterId r:id="rId25"/>
   </p:handoutMasterIdLst>
   <p:sldIdLst>
     <p:sldId id="264" r:id="rId2"/>
@@ -29,15 +29,10 @@
     <p:sldId id="318" r:id="rId17"/>
     <p:sldId id="319" r:id="rId18"/>
     <p:sldId id="321" r:id="rId19"/>
-    <p:sldId id="307" r:id="rId20"/>
-    <p:sldId id="322" r:id="rId21"/>
-    <p:sldId id="323" r:id="rId22"/>
-    <p:sldId id="308" r:id="rId23"/>
-    <p:sldId id="309" r:id="rId24"/>
-    <p:sldId id="310" r:id="rId25"/>
-    <p:sldId id="311" r:id="rId26"/>
-    <p:sldId id="312" r:id="rId27"/>
-    <p:sldId id="313" r:id="rId28"/>
+    <p:sldId id="322" r:id="rId20"/>
+    <p:sldId id="323" r:id="rId21"/>
+    <p:sldId id="324" r:id="rId22"/>
+    <p:sldId id="325" r:id="rId23"/>
   </p:sldIdLst>
   <p:sldSz cx="9144000" cy="6858000" type="screen4x3"/>
   <p:notesSz cx="6648450" cy="9782175"/>
@@ -5243,10 +5238,10 @@
           <a:lstStyle/>
           <a:p>
             <a:r>
-              <a:rPr lang="fr-FR" smtClean="0"/>
-              <a:t>Conversion Keras - TF</a:t>
-            </a:r>
-            <a:endParaRPr lang="fr-FR"/>
+              <a:rPr lang="fr-FR" dirty="0" smtClean="0"/>
+              <a:t>Randomisation</a:t>
+            </a:r>
+            <a:endParaRPr lang="fr-FR" dirty="0"/>
           </a:p>
         </p:txBody>
       </p:sp>
@@ -5266,47 +5261,60 @@
           <a:lstStyle/>
           <a:p>
             <a:r>
-              <a:rPr lang="fr-FR" dirty="0" smtClean="0"/>
-              <a:t>Il est possible de récupérer l'</a:t>
-            </a:r>
-            <a:r>
-              <a:rPr lang="fr-FR" dirty="0" err="1" smtClean="0"/>
-              <a:t>Estimator</a:t>
-            </a:r>
-            <a:r>
-              <a:rPr lang="fr-FR" dirty="0" smtClean="0"/>
-              <a:t> TF depuis </a:t>
-            </a:r>
-            <a:r>
               <a:rPr lang="fr-FR" dirty="0" err="1" smtClean="0"/>
               <a:t>Keras</a:t>
             </a:r>
+            <a:r>
+              <a:rPr lang="fr-FR" dirty="0" smtClean="0"/>
+              <a:t> permet de faire une randomisation sans </a:t>
+            </a:r>
+            <a:r>
+              <a:rPr lang="fr-FR" dirty="0" err="1" smtClean="0"/>
+              <a:t>SKLearn</a:t>
+            </a:r>
             <a:endParaRPr lang="fr-FR" dirty="0" smtClean="0"/>
           </a:p>
           <a:p>
             <a:pPr lvl="1"/>
             <a:r>
-              <a:rPr lang="fr-FR" dirty="0" err="1"/>
-              <a:t>estimator</a:t>
-            </a:r>
-            <a:r>
-              <a:rPr lang="fr-FR" dirty="0"/>
-              <a:t> = </a:t>
-            </a:r>
-            <a:r>
-              <a:rPr lang="fr-FR" dirty="0" err="1"/>
-              <a:t>tf.keras.estimator.model_to_estimator</a:t>
-            </a:r>
-            <a:r>
-              <a:rPr lang="fr-FR" dirty="0"/>
-              <a:t>(model</a:t>
-            </a:r>
-            <a:r>
-              <a:rPr lang="fr-FR" dirty="0" smtClean="0"/>
-              <a:t>)</a:t>
-            </a:r>
-          </a:p>
-          <a:p>
+              <a:rPr lang="fr-FR" dirty="0" smtClean="0"/>
+              <a:t>fit(</a:t>
+            </a:r>
+            <a:r>
+              <a:rPr lang="fr-FR" dirty="0" err="1" smtClean="0"/>
+              <a:t>validation_split</a:t>
+            </a:r>
+            <a:r>
+              <a:rPr lang="fr-FR" dirty="0" smtClean="0"/>
+              <a:t> = 0.8)</a:t>
+            </a:r>
+          </a:p>
+          <a:p>
+            <a:pPr lvl="1"/>
+            <a:r>
+              <a:rPr lang="fr-FR" dirty="0" smtClean="0"/>
+              <a:t>ou fit(</a:t>
+            </a:r>
+            <a:r>
+              <a:rPr lang="fr-FR" dirty="0" err="1" smtClean="0"/>
+              <a:t>validation_data</a:t>
+            </a:r>
+            <a:r>
+              <a:rPr lang="fr-FR" dirty="0" smtClean="0"/>
+              <a:t>) qui permet de calculer le score sur le </a:t>
+            </a:r>
+            <a:r>
+              <a:rPr lang="fr-FR" dirty="0" err="1" smtClean="0"/>
+              <a:t>testing</a:t>
+            </a:r>
+            <a:r>
+              <a:rPr lang="fr-FR" dirty="0" smtClean="0"/>
+              <a:t> </a:t>
+            </a:r>
+            <a:r>
+              <a:rPr lang="fr-FR" dirty="0" smtClean="0"/>
+              <a:t>set</a:t>
+            </a:r>
             <a:endParaRPr lang="fr-FR" dirty="0" smtClean="0"/>
           </a:p>
         </p:txBody>
@@ -5314,7 +5322,7 @@
     </p:spTree>
     <p:extLst>
       <p:ext uri="{BB962C8B-B14F-4D97-AF65-F5344CB8AC3E}">
-        <p14:creationId xmlns:p14="http://schemas.microsoft.com/office/powerpoint/2010/main" val="3487824957"/>
+        <p14:creationId xmlns:p14="http://schemas.microsoft.com/office/powerpoint/2010/main" val="1373490682"/>
       </p:ext>
     </p:extLst>
   </p:cSld>
@@ -5609,7 +5617,7 @@
           <a:p>
             <a:r>
               <a:rPr lang="fr-FR" dirty="0" smtClean="0"/>
-              <a:t>Randomisation</a:t>
+              <a:t>Normalisation</a:t>
             </a:r>
             <a:endParaRPr lang="fr-FR" dirty="0"/>
           </a:p>
@@ -5631,70 +5639,150 @@
           <a:lstStyle/>
           <a:p>
             <a:r>
-              <a:rPr lang="fr-FR" dirty="0" err="1" smtClean="0"/>
-              <a:t>Keras</a:t>
-            </a:r>
-            <a:r>
-              <a:rPr lang="fr-FR" dirty="0" smtClean="0"/>
-              <a:t> permet de faire une randomisation sans </a:t>
-            </a:r>
-            <a:r>
-              <a:rPr lang="fr-FR" dirty="0" err="1" smtClean="0"/>
-              <a:t>SKLearn</a:t>
+              <a:rPr lang="fr-FR" dirty="0" smtClean="0"/>
+              <a:t>TF permet de normaliser les données</a:t>
+            </a:r>
+          </a:p>
+          <a:p>
+            <a:pPr marL="457200" lvl="1" indent="0">
+              <a:buNone/>
+            </a:pPr>
+            <a:r>
+              <a:rPr lang="en-US" dirty="0" err="1"/>
+              <a:t>def</a:t>
+            </a:r>
+            <a:r>
+              <a:rPr lang="en-US" dirty="0"/>
+              <a:t> </a:t>
+            </a:r>
+            <a:r>
+              <a:rPr lang="en-US" dirty="0" smtClean="0"/>
+              <a:t>scaler(x):</a:t>
+            </a:r>
+            <a:endParaRPr lang="en-US" dirty="0"/>
+          </a:p>
+          <a:p>
+            <a:pPr marL="457200" lvl="1" indent="0">
+              <a:buNone/>
+            </a:pPr>
+            <a:r>
+              <a:rPr lang="en-US" dirty="0"/>
+              <a:t>  mean = 3.04</a:t>
+            </a:r>
+          </a:p>
+          <a:p>
+            <a:pPr marL="457200" lvl="1" indent="0">
+              <a:buNone/>
+            </a:pPr>
+            <a:r>
+              <a:rPr lang="en-US" dirty="0"/>
+              <a:t>  </a:t>
+            </a:r>
+            <a:r>
+              <a:rPr lang="en-US" dirty="0" err="1"/>
+              <a:t>std</a:t>
+            </a:r>
+            <a:r>
+              <a:rPr lang="en-US" dirty="0"/>
+              <a:t> = 1.2</a:t>
+            </a:r>
+          </a:p>
+          <a:p>
+            <a:pPr marL="457200" lvl="1" indent="0">
+              <a:buNone/>
+            </a:pPr>
+            <a:r>
+              <a:rPr lang="en-US" dirty="0"/>
+              <a:t>  return </a:t>
+            </a:r>
+            <a:r>
+              <a:rPr lang="en-US" dirty="0" smtClean="0"/>
+              <a:t>(x - </a:t>
+            </a:r>
+            <a:r>
+              <a:rPr lang="en-US" dirty="0"/>
+              <a:t>mean)/</a:t>
+            </a:r>
+            <a:r>
+              <a:rPr lang="en-US" dirty="0" err="1"/>
+              <a:t>std</a:t>
+            </a:r>
+            <a:endParaRPr lang="en-US" dirty="0"/>
+          </a:p>
+          <a:p>
+            <a:pPr marL="457200" lvl="1" indent="0">
+              <a:buNone/>
+            </a:pPr>
+            <a:endParaRPr lang="en-US" dirty="0"/>
+          </a:p>
+          <a:p>
+            <a:pPr marL="457200" lvl="1" indent="0">
+              <a:buNone/>
+            </a:pPr>
+            <a:r>
+              <a:rPr lang="en-US" dirty="0" err="1"/>
+              <a:t>normalized_feature</a:t>
+            </a:r>
+            <a:r>
+              <a:rPr lang="en-US" dirty="0"/>
+              <a:t> = </a:t>
+            </a:r>
+            <a:r>
+              <a:rPr lang="en-US" dirty="0" err="1"/>
+              <a:t>tf.feature_column.numeric_column</a:t>
+            </a:r>
+            <a:r>
+              <a:rPr lang="en-US" dirty="0"/>
+              <a:t>(</a:t>
+            </a:r>
+          </a:p>
+          <a:p>
+            <a:pPr marL="457200" lvl="1" indent="0">
+              <a:buNone/>
+            </a:pPr>
+            <a:r>
+              <a:rPr lang="en-US" dirty="0"/>
+              <a:t>  </a:t>
+            </a:r>
+            <a:r>
+              <a:rPr lang="en-US" dirty="0" err="1"/>
+              <a:t>feature_name</a:t>
+            </a:r>
+            <a:r>
+              <a:rPr lang="en-US" dirty="0"/>
+              <a:t>,</a:t>
+            </a:r>
+          </a:p>
+          <a:p>
+            <a:pPr marL="457200" lvl="1" indent="0">
+              <a:buNone/>
+            </a:pPr>
+            <a:r>
+              <a:rPr lang="en-US" dirty="0"/>
+              <a:t>  </a:t>
+            </a:r>
+            <a:r>
+              <a:rPr lang="en-US" dirty="0" err="1" smtClean="0"/>
+              <a:t>normalizer_fn</a:t>
+            </a:r>
+            <a:r>
+              <a:rPr lang="en-US" dirty="0" smtClean="0"/>
+              <a:t>=scaler)</a:t>
             </a:r>
             <a:endParaRPr lang="fr-FR" dirty="0" smtClean="0"/>
           </a:p>
           <a:p>
-            <a:pPr lvl="1"/>
-            <a:r>
-              <a:rPr lang="fr-FR" dirty="0" smtClean="0"/>
-              <a:t>fit(</a:t>
-            </a:r>
-            <a:r>
-              <a:rPr lang="fr-FR" dirty="0" err="1" smtClean="0"/>
-              <a:t>validation_split</a:t>
-            </a:r>
-            <a:r>
-              <a:rPr lang="fr-FR" dirty="0" smtClean="0"/>
-              <a:t> = 0.8)</a:t>
-            </a:r>
-          </a:p>
-          <a:p>
-            <a:pPr lvl="1"/>
-            <a:r>
-              <a:rPr lang="fr-FR" dirty="0" smtClean="0"/>
-              <a:t>ou fit(</a:t>
-            </a:r>
-            <a:r>
-              <a:rPr lang="fr-FR" dirty="0" err="1" smtClean="0"/>
-              <a:t>validation_data</a:t>
-            </a:r>
-            <a:r>
-              <a:rPr lang="fr-FR" dirty="0" smtClean="0"/>
-              <a:t>) qui permet de calculer le score sur le </a:t>
-            </a:r>
-            <a:r>
-              <a:rPr lang="fr-FR" dirty="0" err="1" smtClean="0"/>
-              <a:t>testing</a:t>
-            </a:r>
-            <a:r>
-              <a:rPr lang="fr-FR" dirty="0" smtClean="0"/>
-              <a:t> set</a:t>
-            </a:r>
-          </a:p>
-          <a:p>
-            <a:pPr lvl="1"/>
-            <a:r>
-              <a:rPr lang="fr-FR" dirty="0" smtClean="0"/>
-              <a:t>Assez peu puissant</a:t>
-            </a:r>
+            <a:endParaRPr lang="fr-FR" dirty="0" smtClean="0"/>
+          </a:p>
+          <a:p>
+            <a:endParaRPr lang="fr-FR" dirty="0"/>
           </a:p>
         </p:txBody>
       </p:sp>
     </p:spTree>
     <p:extLst>
       <p:ext uri="{BB962C8B-B14F-4D97-AF65-F5344CB8AC3E}">
-        <p14:creationId xmlns:p14="http://schemas.microsoft.com/office/powerpoint/2010/main" val="1373490682"/>
+        <p14:creationId xmlns:p14="http://schemas.microsoft.com/office/powerpoint/2010/main" val="3633181524"/>
       </p:ext>
     </p:extLst>
   </p:cSld>
@@ -5737,10 +5825,10 @@
           <a:lstStyle/>
           <a:p>
             <a:r>
-              <a:rPr lang="fr-FR" dirty="0" smtClean="0"/>
-              <a:t>Normalisation</a:t>
-            </a:r>
-            <a:endParaRPr lang="fr-FR" dirty="0"/>
+              <a:rPr lang="fr-FR" smtClean="0"/>
+              <a:t>Conversion Keras - TF</a:t>
+            </a:r>
+            <a:endParaRPr lang="fr-FR"/>
           </a:p>
         </p:txBody>
       </p:sp>
@@ -5761,156 +5849,54 @@
           <a:p>
             <a:r>
               <a:rPr lang="fr-FR" dirty="0" smtClean="0"/>
-              <a:t>TF permet de normaliser les données</a:t>
-            </a:r>
-          </a:p>
-          <a:p>
-            <a:pPr marL="457200" lvl="1" indent="0">
-              <a:buNone/>
-            </a:pPr>
-            <a:r>
-              <a:rPr lang="en-US" dirty="0" err="1"/>
-              <a:t>def</a:t>
-            </a:r>
-            <a:r>
-              <a:rPr lang="en-US" dirty="0"/>
-              <a:t> </a:t>
-            </a:r>
-            <a:r>
-              <a:rPr lang="en-US" dirty="0" smtClean="0"/>
-              <a:t>scaler(x):</a:t>
-            </a:r>
-            <a:endParaRPr lang="en-US" dirty="0"/>
-          </a:p>
-          <a:p>
-            <a:pPr marL="457200" lvl="1" indent="0">
-              <a:buNone/>
-            </a:pPr>
-            <a:r>
-              <a:rPr lang="en-US" dirty="0"/>
-              <a:t>  mean = 3.04</a:t>
-            </a:r>
-          </a:p>
-          <a:p>
-            <a:pPr marL="457200" lvl="1" indent="0">
-              <a:buNone/>
-            </a:pPr>
-            <a:r>
-              <a:rPr lang="en-US" dirty="0"/>
-              <a:t>  </a:t>
-            </a:r>
-            <a:r>
-              <a:rPr lang="en-US" dirty="0" err="1"/>
-              <a:t>std</a:t>
-            </a:r>
-            <a:r>
-              <a:rPr lang="en-US" dirty="0"/>
-              <a:t> = 1.2</a:t>
-            </a:r>
-          </a:p>
-          <a:p>
-            <a:pPr marL="457200" lvl="1" indent="0">
-              <a:buNone/>
-            </a:pPr>
-            <a:r>
-              <a:rPr lang="en-US" dirty="0"/>
-              <a:t>  return </a:t>
-            </a:r>
-            <a:r>
-              <a:rPr lang="en-US" dirty="0" smtClean="0"/>
-              <a:t>(x - </a:t>
-            </a:r>
-            <a:r>
-              <a:rPr lang="en-US" dirty="0"/>
-              <a:t>mean)/</a:t>
-            </a:r>
-            <a:r>
-              <a:rPr lang="en-US" dirty="0" err="1"/>
-              <a:t>std</a:t>
-            </a:r>
-            <a:endParaRPr lang="en-US" dirty="0"/>
-          </a:p>
-          <a:p>
-            <a:pPr marL="457200" lvl="1" indent="0">
-              <a:buNone/>
-            </a:pPr>
-            <a:endParaRPr lang="en-US" dirty="0"/>
-          </a:p>
-          <a:p>
-            <a:pPr marL="457200" lvl="1" indent="0">
-              <a:buNone/>
-            </a:pPr>
-            <a:r>
-              <a:rPr lang="en-US" dirty="0" err="1"/>
-              <a:t>normalized_feature</a:t>
-            </a:r>
-            <a:r>
-              <a:rPr lang="en-US" dirty="0"/>
+              <a:t>Il est possible de récupérer l'</a:t>
+            </a:r>
+            <a:r>
+              <a:rPr lang="fr-FR" dirty="0" err="1" smtClean="0"/>
+              <a:t>Estimator</a:t>
+            </a:r>
+            <a:r>
+              <a:rPr lang="fr-FR" dirty="0" smtClean="0"/>
+              <a:t> TF depuis </a:t>
+            </a:r>
+            <a:r>
+              <a:rPr lang="fr-FR" dirty="0" err="1" smtClean="0"/>
+              <a:t>Keras</a:t>
+            </a:r>
+            <a:endParaRPr lang="fr-FR" dirty="0" smtClean="0"/>
+          </a:p>
+          <a:p>
+            <a:pPr lvl="1"/>
+            <a:r>
+              <a:rPr lang="fr-FR" dirty="0" err="1"/>
+              <a:t>estimator</a:t>
+            </a:r>
+            <a:r>
+              <a:rPr lang="fr-FR" dirty="0"/>
               <a:t> = </a:t>
             </a:r>
             <a:r>
-              <a:rPr lang="en-US" dirty="0" err="1"/>
-              <a:t>tf.feature_column.numeric_column</a:t>
-            </a:r>
-            <a:r>
-              <a:rPr lang="en-US" dirty="0"/>
-              <a:t>(</a:t>
-            </a:r>
-          </a:p>
-          <a:p>
-            <a:pPr marL="457200" lvl="1" indent="0">
-              <a:buNone/>
-            </a:pPr>
-            <a:r>
-              <a:rPr lang="en-US" dirty="0"/>
-              <a:t>  </a:t>
-            </a:r>
-            <a:r>
-              <a:rPr lang="en-US" dirty="0" err="1"/>
-              <a:t>feature_name</a:t>
-            </a:r>
-            <a:r>
-              <a:rPr lang="en-US" dirty="0"/>
-              <a:t>,</a:t>
-            </a:r>
-          </a:p>
-          <a:p>
-            <a:pPr marL="457200" lvl="1" indent="0">
-              <a:buNone/>
-            </a:pPr>
-            <a:r>
-              <a:rPr lang="en-US" dirty="0"/>
-              <a:t>  </a:t>
-            </a:r>
-            <a:r>
-              <a:rPr lang="en-US" dirty="0" err="1" smtClean="0"/>
-              <a:t>normalizer_fn</a:t>
-            </a:r>
-            <a:r>
-              <a:rPr lang="en-US" dirty="0" smtClean="0"/>
-              <a:t>=scaler)</a:t>
-            </a:r>
+              <a:rPr lang="fr-FR" dirty="0" err="1"/>
+              <a:t>tf.keras.estimator.model_to_estimator</a:t>
+            </a:r>
+            <a:r>
+              <a:rPr lang="fr-FR" dirty="0"/>
+              <a:t>(model</a:t>
+            </a:r>
+            <a:r>
+              <a:rPr lang="fr-FR" dirty="0" smtClean="0"/>
+              <a:t>)</a:t>
+            </a:r>
+          </a:p>
+          <a:p>
             <a:endParaRPr lang="fr-FR" dirty="0" smtClean="0"/>
-          </a:p>
-          <a:p>
-            <a:r>
-              <a:rPr lang="fr-FR" smtClean="0"/>
-              <a:t>Peu puissant</a:t>
-            </a:r>
-            <a:endParaRPr lang="fr-FR" dirty="0"/>
-          </a:p>
-          <a:p>
-            <a:endParaRPr lang="fr-FR" dirty="0" smtClean="0"/>
-          </a:p>
-          <a:p>
-            <a:endParaRPr lang="fr-FR" dirty="0"/>
           </a:p>
         </p:txBody>
       </p:sp>
     </p:spTree>
     <p:extLst>
       <p:ext uri="{BB962C8B-B14F-4D97-AF65-F5344CB8AC3E}">
-        <p14:creationId xmlns:p14="http://schemas.microsoft.com/office/powerpoint/2010/main" val="3633181524"/>
+        <p14:creationId xmlns:p14="http://schemas.microsoft.com/office/powerpoint/2010/main" val="2100591507"/>
       </p:ext>
     </p:extLst>
   </p:cSld>
@@ -5953,10 +5939,14 @@
           <a:lstStyle/>
           <a:p>
             <a:r>
-              <a:rPr lang="fr-FR" smtClean="0"/>
-              <a:t>GPU</a:t>
-            </a:r>
-            <a:endParaRPr lang="fr-FR"/>
+              <a:rPr lang="fr-FR" dirty="0" err="1" smtClean="0"/>
+              <a:t>TensorFlow</a:t>
+            </a:r>
+            <a:r>
+              <a:rPr lang="fr-FR" dirty="0" smtClean="0"/>
+              <a:t> Lite</a:t>
+            </a:r>
+            <a:endParaRPr lang="fr-FR" dirty="0"/>
           </a:p>
         </p:txBody>
       </p:sp>
@@ -5976,737 +5966,93 @@
           <a:lstStyle/>
           <a:p>
             <a:r>
+              <a:rPr lang="fr-FR" dirty="0" smtClean="0"/>
+              <a:t>Distribution légère</a:t>
+            </a:r>
+          </a:p>
+          <a:p>
+            <a:pPr lvl="1"/>
+            <a:r>
+              <a:rPr lang="fr-FR" dirty="0" smtClean="0"/>
+              <a:t>Python</a:t>
+            </a:r>
+          </a:p>
+          <a:p>
+            <a:pPr lvl="1"/>
+            <a:r>
+              <a:rPr lang="fr-FR" dirty="0" smtClean="0"/>
+              <a:t>C++</a:t>
+            </a:r>
+          </a:p>
+          <a:p>
+            <a:pPr lvl="1"/>
+            <a:r>
+              <a:rPr lang="fr-FR" dirty="0" smtClean="0"/>
+              <a:t>Java</a:t>
+            </a:r>
+          </a:p>
+          <a:p>
+            <a:pPr lvl="1"/>
+            <a:r>
+              <a:rPr lang="fr-FR" dirty="0" smtClean="0"/>
+              <a:t>Android</a:t>
+            </a:r>
+          </a:p>
+          <a:p>
+            <a:pPr lvl="1"/>
+            <a:r>
+              <a:rPr lang="fr-FR" dirty="0" smtClean="0"/>
+              <a:t>iOS</a:t>
+            </a:r>
+          </a:p>
+          <a:p>
+            <a:pPr lvl="1"/>
+            <a:r>
+              <a:rPr lang="fr-FR" dirty="0" smtClean="0"/>
+              <a:t>Travaille sur des fichiers </a:t>
+            </a:r>
+            <a:r>
+              <a:rPr lang="fr-FR" dirty="0" err="1" smtClean="0"/>
+              <a:t>tflite</a:t>
+            </a:r>
+            <a:endParaRPr lang="fr-FR" dirty="0" smtClean="0"/>
+          </a:p>
+          <a:p>
+            <a:r>
+              <a:rPr lang="fr-FR" dirty="0" smtClean="0"/>
+              <a:t>Tensorflow.js</a:t>
+            </a:r>
+          </a:p>
+          <a:p>
+            <a:pPr lvl="1"/>
+            <a:r>
+              <a:rPr lang="fr-FR" dirty="0" smtClean="0"/>
+              <a:t>Portage </a:t>
+            </a:r>
+            <a:r>
+              <a:rPr lang="fr-FR" dirty="0" err="1" smtClean="0"/>
+              <a:t>Javascript</a:t>
+            </a:r>
+            <a:endParaRPr lang="fr-FR" dirty="0" smtClean="0"/>
+          </a:p>
+          <a:p>
+            <a:pPr lvl="1"/>
+            <a:r>
+              <a:rPr lang="fr-FR" dirty="0" smtClean="0"/>
+              <a:t>Marche sur </a:t>
+            </a:r>
+            <a:r>
               <a:rPr lang="fr-FR" smtClean="0"/>
-              <a:t>Keras n'est pas compatible GPU et multi-CPU</a:t>
-            </a:r>
-          </a:p>
-          <a:p>
-            <a:r>
-              <a:rPr lang="fr-FR" smtClean="0"/>
-              <a:t>Il faut le transformer en TF</a:t>
-            </a:r>
-          </a:p>
-          <a:p>
-            <a:r>
-              <a:rPr lang="fr-FR" smtClean="0"/>
-              <a:t>TF marche alors automatiquement en GPU</a:t>
-            </a:r>
-          </a:p>
-          <a:p>
-            <a:pPr lvl="1"/>
-            <a:r>
-              <a:rPr lang="fr-FR" smtClean="0"/>
-              <a:t>Après installation des prérequis</a:t>
-            </a:r>
-          </a:p>
-          <a:p>
-            <a:pPr lvl="1"/>
-            <a:r>
-              <a:rPr lang="fr-FR" smtClean="0"/>
-              <a:t>input_fn obligatoire</a:t>
-            </a:r>
-          </a:p>
-          <a:p>
-            <a:r>
-              <a:rPr lang="fr-FR" smtClean="0"/>
-              <a:t>TF peut être distribué sur une ferme de GPU</a:t>
-            </a:r>
+              <a:t>les navigateurs modernes</a:t>
+            </a:r>
+            <a:endParaRPr lang="fr-FR" dirty="0" smtClean="0"/>
           </a:p>
         </p:txBody>
       </p:sp>
     </p:spTree>
     <p:extLst>
       <p:ext uri="{BB962C8B-B14F-4D97-AF65-F5344CB8AC3E}">
-        <p14:creationId xmlns:p14="http://schemas.microsoft.com/office/powerpoint/2010/main" val="1287015840"/>
-      </p:ext>
-    </p:extLst>
-  </p:cSld>
-  <p:clrMapOvr>
-    <a:masterClrMapping/>
-  </p:clrMapOvr>
-</p:sld>
-</file>
-
-<file path=ppt/slides/slide23.xml><?xml version="1.0" encoding="utf-8"?>
-<p:sld xmlns:a="http://schemas.openxmlformats.org/drawingml/2006/main" xmlns:r="http://schemas.openxmlformats.org/officeDocument/2006/relationships" xmlns:p="http://schemas.openxmlformats.org/presentationml/2006/main">
-  <p:cSld>
-    <p:spTree>
-      <p:nvGrpSpPr>
-        <p:cNvPr id="1" name=""/>
-        <p:cNvGrpSpPr/>
-        <p:nvPr/>
-      </p:nvGrpSpPr>
-      <p:grpSpPr>
-        <a:xfrm>
-          <a:off x="0" y="0"/>
-          <a:ext cx="0" cy="0"/>
-          <a:chOff x="0" y="0"/>
-          <a:chExt cx="0" cy="0"/>
-        </a:xfrm>
-      </p:grpSpPr>
-      <p:sp>
-        <p:nvSpPr>
-          <p:cNvPr id="2" name="Titre 1"/>
-          <p:cNvSpPr>
-            <a:spLocks noGrp="1"/>
-          </p:cNvSpPr>
-          <p:nvPr>
-            <p:ph type="title"/>
-          </p:nvPr>
-        </p:nvSpPr>
-        <p:spPr/>
-        <p:txBody>
-          <a:bodyPr/>
-          <a:lstStyle/>
-          <a:p>
-            <a:r>
-              <a:rPr lang="fr-FR" smtClean="0"/>
-              <a:t>MirroredStrategy</a:t>
-            </a:r>
-            <a:endParaRPr lang="fr-FR"/>
-          </a:p>
-        </p:txBody>
-      </p:sp>
-      <p:sp>
-        <p:nvSpPr>
-          <p:cNvPr id="3" name="Espace réservé du contenu 2"/>
-          <p:cNvSpPr>
-            <a:spLocks noGrp="1"/>
-          </p:cNvSpPr>
-          <p:nvPr>
-            <p:ph idx="1"/>
-          </p:nvPr>
-        </p:nvSpPr>
-        <p:spPr/>
-        <p:txBody>
-          <a:bodyPr/>
-          <a:lstStyle/>
-          <a:p>
-            <a:r>
-              <a:rPr lang="fr-FR" smtClean="0"/>
-              <a:t>MirroredStrategy</a:t>
-            </a:r>
-          </a:p>
-          <a:p>
-            <a:pPr lvl="1"/>
-            <a:r>
-              <a:rPr lang="fr-FR" smtClean="0"/>
-              <a:t>Multi-CPU, Mutli-GPU, Multi-Host-GPU</a:t>
-            </a:r>
-          </a:p>
-          <a:p>
-            <a:pPr marL="457200" lvl="1" indent="0">
-              <a:buNone/>
-            </a:pPr>
-            <a:r>
-              <a:rPr lang="fr-FR" sz="2000">
-                <a:latin typeface="Courier New" panose="02070309020205020404" pitchFamily="49" charset="0"/>
-                <a:cs typeface="Courier New" panose="02070309020205020404" pitchFamily="49" charset="0"/>
-              </a:rPr>
-              <a:t>strategy = tf.contrib.distribute.MirroredStrategy()</a:t>
-            </a:r>
-          </a:p>
-          <a:p>
-            <a:pPr marL="457200" lvl="1" indent="0">
-              <a:buNone/>
-            </a:pPr>
-            <a:r>
-              <a:rPr lang="fr-FR" sz="2000">
-                <a:latin typeface="Courier New" panose="02070309020205020404" pitchFamily="49" charset="0"/>
-                <a:cs typeface="Courier New" panose="02070309020205020404" pitchFamily="49" charset="0"/>
-              </a:rPr>
-              <a:t>config = tf.estimator.RunConfig(train_distribute=strategy</a:t>
-            </a:r>
-            <a:r>
-              <a:rPr lang="fr-FR" sz="2000" smtClean="0">
-                <a:latin typeface="Courier New" panose="02070309020205020404" pitchFamily="49" charset="0"/>
-                <a:cs typeface="Courier New" panose="02070309020205020404" pitchFamily="49" charset="0"/>
-              </a:rPr>
-              <a:t>)</a:t>
-            </a:r>
-          </a:p>
-          <a:p>
-            <a:pPr lvl="1"/>
-            <a:r>
-              <a:rPr lang="fr-FR" smtClean="0"/>
-              <a:t>Par défaut utilise tous les GPU locaux</a:t>
-            </a:r>
-          </a:p>
-          <a:p>
-            <a:pPr lvl="1"/>
-            <a:r>
-              <a:rPr lang="fr-FR" smtClean="0"/>
-              <a:t>devices : liste des IP des machines</a:t>
-            </a:r>
-          </a:p>
-          <a:p>
-            <a:pPr lvl="1"/>
-            <a:r>
-              <a:rPr lang="fr-FR" smtClean="0"/>
-              <a:t>num_gpus : nb de GPU utilisé</a:t>
-            </a:r>
-          </a:p>
-          <a:p>
-            <a:pPr lvl="1"/>
-            <a:r>
-              <a:rPr lang="fr-FR" smtClean="0"/>
-              <a:t>num_gpus_per_worker : par machine</a:t>
-            </a:r>
-            <a:endParaRPr lang="fr-FR"/>
-          </a:p>
-        </p:txBody>
-      </p:sp>
-      <p:pic>
-        <p:nvPicPr>
-          <p:cNvPr id="5" name="Image 4"/>
-          <p:cNvPicPr>
-            <a:picLocks noChangeAspect="1"/>
-          </p:cNvPicPr>
-          <p:nvPr/>
-        </p:nvPicPr>
-        <p:blipFill>
-          <a:blip r:embed="rId2"/>
-          <a:stretch>
-            <a:fillRect/>
-          </a:stretch>
-        </p:blipFill>
-        <p:spPr>
-          <a:xfrm>
-            <a:off x="6228184" y="4437112"/>
-            <a:ext cx="2505075" cy="1552575"/>
-          </a:xfrm>
-          <a:prstGeom prst="rect">
-            <a:avLst/>
-          </a:prstGeom>
-        </p:spPr>
-      </p:pic>
-    </p:spTree>
-    <p:extLst>
-      <p:ext uri="{BB962C8B-B14F-4D97-AF65-F5344CB8AC3E}">
-        <p14:creationId xmlns:p14="http://schemas.microsoft.com/office/powerpoint/2010/main" val="3418593527"/>
-      </p:ext>
-    </p:extLst>
-  </p:cSld>
-  <p:clrMapOvr>
-    <a:masterClrMapping/>
-  </p:clrMapOvr>
-</p:sld>
-</file>
-
-<file path=ppt/slides/slide24.xml><?xml version="1.0" encoding="utf-8"?>
-<p:sld xmlns:a="http://schemas.openxmlformats.org/drawingml/2006/main" xmlns:r="http://schemas.openxmlformats.org/officeDocument/2006/relationships" xmlns:p="http://schemas.openxmlformats.org/presentationml/2006/main">
-  <p:cSld>
-    <p:spTree>
-      <p:nvGrpSpPr>
-        <p:cNvPr id="1" name=""/>
-        <p:cNvGrpSpPr/>
-        <p:nvPr/>
-      </p:nvGrpSpPr>
-      <p:grpSpPr>
-        <a:xfrm>
-          <a:off x="0" y="0"/>
-          <a:ext cx="0" cy="0"/>
-          <a:chOff x="0" y="0"/>
-          <a:chExt cx="0" cy="0"/>
-        </a:xfrm>
-      </p:grpSpPr>
-      <p:sp>
-        <p:nvSpPr>
-          <p:cNvPr id="2" name="Titre 1"/>
-          <p:cNvSpPr>
-            <a:spLocks noGrp="1"/>
-          </p:cNvSpPr>
-          <p:nvPr>
-            <p:ph type="title"/>
-          </p:nvPr>
-        </p:nvSpPr>
-        <p:spPr/>
-        <p:txBody>
-          <a:bodyPr/>
-          <a:lstStyle/>
-          <a:p>
-            <a:r>
-              <a:rPr lang="fr-FR" smtClean="0"/>
-              <a:t>Conversion du modèle Keras</a:t>
-            </a:r>
-            <a:endParaRPr lang="fr-FR"/>
-          </a:p>
-        </p:txBody>
-      </p:sp>
-      <p:sp>
-        <p:nvSpPr>
-          <p:cNvPr id="3" name="Espace réservé du contenu 2"/>
-          <p:cNvSpPr>
-            <a:spLocks noGrp="1"/>
-          </p:cNvSpPr>
-          <p:nvPr>
-            <p:ph idx="1"/>
-          </p:nvPr>
-        </p:nvSpPr>
-        <p:spPr/>
-        <p:txBody>
-          <a:bodyPr/>
-          <a:lstStyle/>
-          <a:p>
-            <a:r>
-              <a:rPr lang="fr-FR" smtClean="0"/>
-              <a:t>Il faut ensuite convertir le modèle Keras en TF avec les stratégies</a:t>
-            </a:r>
-          </a:p>
-          <a:p>
-            <a:pPr marL="0" indent="0">
-              <a:buNone/>
-            </a:pPr>
-            <a:r>
-              <a:rPr lang="fr-FR" sz="2000">
-                <a:latin typeface="Courier New" panose="02070309020205020404" pitchFamily="49" charset="0"/>
-                <a:cs typeface="Courier New" panose="02070309020205020404" pitchFamily="49" charset="0"/>
-              </a:rPr>
-              <a:t>keras_estimator = tf.keras.estimator.model_to_estimator(</a:t>
-            </a:r>
-          </a:p>
-          <a:p>
-            <a:pPr marL="0" indent="0">
-              <a:buNone/>
-            </a:pPr>
-            <a:r>
-              <a:rPr lang="fr-FR" sz="2000">
-                <a:latin typeface="Courier New" panose="02070309020205020404" pitchFamily="49" charset="0"/>
-                <a:cs typeface="Courier New" panose="02070309020205020404" pitchFamily="49" charset="0"/>
-              </a:rPr>
-              <a:t>  keras_model=model,</a:t>
-            </a:r>
-          </a:p>
-          <a:p>
-            <a:pPr marL="0" indent="0">
-              <a:buNone/>
-            </a:pPr>
-            <a:r>
-              <a:rPr lang="fr-FR" sz="2000">
-                <a:latin typeface="Courier New" panose="02070309020205020404" pitchFamily="49" charset="0"/>
-                <a:cs typeface="Courier New" panose="02070309020205020404" pitchFamily="49" charset="0"/>
-              </a:rPr>
-              <a:t>  config=config,</a:t>
-            </a:r>
-          </a:p>
-          <a:p>
-            <a:pPr marL="0" indent="0">
-              <a:buNone/>
-            </a:pPr>
-            <a:r>
-              <a:rPr lang="fr-FR" sz="2000">
-                <a:latin typeface="Courier New" panose="02070309020205020404" pitchFamily="49" charset="0"/>
-                <a:cs typeface="Courier New" panose="02070309020205020404" pitchFamily="49" charset="0"/>
-              </a:rPr>
-              <a:t>  model_dir='/tmp/model_dir')</a:t>
-            </a:r>
-          </a:p>
-        </p:txBody>
-      </p:sp>
-    </p:spTree>
-    <p:extLst>
-      <p:ext uri="{BB962C8B-B14F-4D97-AF65-F5344CB8AC3E}">
-        <p14:creationId xmlns:p14="http://schemas.microsoft.com/office/powerpoint/2010/main" val="1334308666"/>
-      </p:ext>
-    </p:extLst>
-  </p:cSld>
-  <p:clrMapOvr>
-    <a:masterClrMapping/>
-  </p:clrMapOvr>
-</p:sld>
-</file>
-
-<file path=ppt/slides/slide25.xml><?xml version="1.0" encoding="utf-8"?>
-<p:sld xmlns:a="http://schemas.openxmlformats.org/drawingml/2006/main" xmlns:r="http://schemas.openxmlformats.org/officeDocument/2006/relationships" xmlns:p="http://schemas.openxmlformats.org/presentationml/2006/main">
-  <p:cSld>
-    <p:spTree>
-      <p:nvGrpSpPr>
-        <p:cNvPr id="1" name=""/>
-        <p:cNvGrpSpPr/>
-        <p:nvPr/>
-      </p:nvGrpSpPr>
-      <p:grpSpPr>
-        <a:xfrm>
-          <a:off x="0" y="0"/>
-          <a:ext cx="0" cy="0"/>
-          <a:chOff x="0" y="0"/>
-          <a:chExt cx="0" cy="0"/>
-        </a:xfrm>
-      </p:grpSpPr>
-      <p:sp>
-        <p:nvSpPr>
-          <p:cNvPr id="2" name="Titre 1"/>
-          <p:cNvSpPr>
-            <a:spLocks noGrp="1"/>
-          </p:cNvSpPr>
-          <p:nvPr>
-            <p:ph type="title"/>
-          </p:nvPr>
-        </p:nvSpPr>
-        <p:spPr/>
-        <p:txBody>
-          <a:bodyPr/>
-          <a:lstStyle/>
-          <a:p>
-            <a:r>
-              <a:rPr lang="fr-FR" smtClean="0"/>
-              <a:t>Pipeline</a:t>
-            </a:r>
-            <a:endParaRPr lang="fr-FR"/>
-          </a:p>
-        </p:txBody>
-      </p:sp>
-      <p:sp>
-        <p:nvSpPr>
-          <p:cNvPr id="3" name="Espace réservé du contenu 2"/>
-          <p:cNvSpPr>
-            <a:spLocks noGrp="1"/>
-          </p:cNvSpPr>
-          <p:nvPr>
-            <p:ph idx="1"/>
-          </p:nvPr>
-        </p:nvSpPr>
-        <p:spPr/>
-        <p:txBody>
-          <a:bodyPr/>
-          <a:lstStyle/>
-          <a:p>
-            <a:r>
-              <a:rPr lang="fr-FR" dirty="0" smtClean="0"/>
-              <a:t>Il faut fournir un Pipeline TF</a:t>
-            </a:r>
-          </a:p>
-          <a:p>
-            <a:pPr lvl="1"/>
-            <a:r>
-              <a:rPr lang="fr-FR" dirty="0" smtClean="0"/>
-              <a:t>Le pipeline (</a:t>
-            </a:r>
-            <a:r>
-              <a:rPr lang="fr-FR" dirty="0" err="1" smtClean="0"/>
-              <a:t>input_fn</a:t>
-            </a:r>
-            <a:r>
-              <a:rPr lang="fr-FR" dirty="0" smtClean="0"/>
-              <a:t>) doit être un </a:t>
-            </a:r>
-            <a:r>
-              <a:rPr lang="fr-FR" dirty="0" err="1" smtClean="0"/>
-              <a:t>dataset</a:t>
-            </a:r>
-            <a:r>
-              <a:rPr lang="fr-FR" dirty="0" smtClean="0"/>
-              <a:t> ou </a:t>
-            </a:r>
-            <a:r>
-              <a:rPr lang="fr-FR" dirty="0" err="1" smtClean="0"/>
-              <a:t>iterator</a:t>
-            </a:r>
-            <a:r>
-              <a:rPr lang="fr-FR" dirty="0" smtClean="0"/>
-              <a:t> </a:t>
-            </a:r>
-            <a:r>
-              <a:rPr lang="fr-FR" dirty="0" err="1" smtClean="0"/>
-              <a:t>lazy</a:t>
-            </a:r>
-            <a:r>
-              <a:rPr lang="fr-FR" dirty="0" smtClean="0"/>
-              <a:t> et </a:t>
-            </a:r>
-            <a:r>
-              <a:rPr lang="fr-FR" dirty="0" err="1" smtClean="0"/>
-              <a:t>batché</a:t>
-            </a:r>
-            <a:endParaRPr lang="fr-FR" dirty="0" smtClean="0"/>
-          </a:p>
-          <a:p>
-            <a:pPr lvl="1"/>
-            <a:r>
-              <a:rPr lang="fr-FR" dirty="0" smtClean="0"/>
-              <a:t>Chaque batch sera distribué</a:t>
-            </a:r>
-            <a:endParaRPr lang="fr-FR" dirty="0"/>
-          </a:p>
-        </p:txBody>
-      </p:sp>
-      <p:pic>
-        <p:nvPicPr>
-          <p:cNvPr id="4" name="Image 3"/>
-          <p:cNvPicPr>
-            <a:picLocks noChangeAspect="1"/>
-          </p:cNvPicPr>
-          <p:nvPr/>
-        </p:nvPicPr>
-        <p:blipFill>
-          <a:blip r:embed="rId2"/>
-          <a:stretch>
-            <a:fillRect/>
-          </a:stretch>
-        </p:blipFill>
-        <p:spPr>
-          <a:xfrm>
-            <a:off x="1335594" y="3645024"/>
-            <a:ext cx="6453885" cy="2160240"/>
-          </a:xfrm>
-          <a:prstGeom prst="rect">
-            <a:avLst/>
-          </a:prstGeom>
-        </p:spPr>
-      </p:pic>
-    </p:spTree>
-    <p:extLst>
-      <p:ext uri="{BB962C8B-B14F-4D97-AF65-F5344CB8AC3E}">
-        <p14:creationId xmlns:p14="http://schemas.microsoft.com/office/powerpoint/2010/main" val="2334181461"/>
-      </p:ext>
-    </p:extLst>
-  </p:cSld>
-  <p:clrMapOvr>
-    <a:masterClrMapping/>
-  </p:clrMapOvr>
-</p:sld>
-</file>
-
-<file path=ppt/slides/slide26.xml><?xml version="1.0" encoding="utf-8"?>
-<p:sld xmlns:a="http://schemas.openxmlformats.org/drawingml/2006/main" xmlns:r="http://schemas.openxmlformats.org/officeDocument/2006/relationships" xmlns:p="http://schemas.openxmlformats.org/presentationml/2006/main">
-  <p:cSld>
-    <p:spTree>
-      <p:nvGrpSpPr>
-        <p:cNvPr id="1" name=""/>
-        <p:cNvGrpSpPr/>
-        <p:nvPr/>
-      </p:nvGrpSpPr>
-      <p:grpSpPr>
-        <a:xfrm>
-          <a:off x="0" y="0"/>
-          <a:ext cx="0" cy="0"/>
-          <a:chOff x="0" y="0"/>
-          <a:chExt cx="0" cy="0"/>
-        </a:xfrm>
-      </p:grpSpPr>
-      <p:sp>
-        <p:nvSpPr>
-          <p:cNvPr id="2" name="Titre 1"/>
-          <p:cNvSpPr>
-            <a:spLocks noGrp="1"/>
-          </p:cNvSpPr>
-          <p:nvPr>
-            <p:ph type="title"/>
-          </p:nvPr>
-        </p:nvSpPr>
-        <p:spPr/>
-        <p:txBody>
-          <a:bodyPr/>
-          <a:lstStyle/>
-          <a:p>
-            <a:r>
-              <a:rPr lang="fr-FR" smtClean="0"/>
-              <a:t>Train</a:t>
-            </a:r>
-            <a:endParaRPr lang="fr-FR"/>
-          </a:p>
-        </p:txBody>
-      </p:sp>
-      <p:sp>
-        <p:nvSpPr>
-          <p:cNvPr id="3" name="Espace réservé du contenu 2"/>
-          <p:cNvSpPr>
-            <a:spLocks noGrp="1"/>
-          </p:cNvSpPr>
-          <p:nvPr>
-            <p:ph idx="1"/>
-          </p:nvPr>
-        </p:nvSpPr>
-        <p:spPr/>
-        <p:txBody>
-          <a:bodyPr/>
-          <a:lstStyle/>
-          <a:p>
-            <a:r>
-              <a:rPr lang="fr-FR" dirty="0" smtClean="0"/>
-              <a:t>Il suffit alors d'entrainer le modèle</a:t>
-            </a:r>
-          </a:p>
-          <a:p>
-            <a:r>
-              <a:rPr lang="fr-FR" dirty="0" err="1"/>
-              <a:t>keras_estimator.train</a:t>
-            </a:r>
-            <a:r>
-              <a:rPr lang="fr-FR" dirty="0"/>
-              <a:t>(</a:t>
-            </a:r>
-            <a:r>
-              <a:rPr lang="fr-FR" dirty="0" err="1"/>
-              <a:t>input_fn</a:t>
-            </a:r>
-            <a:r>
-              <a:rPr lang="fr-FR" dirty="0"/>
-              <a:t>=</a:t>
-            </a:r>
-            <a:r>
-              <a:rPr lang="fr-FR" dirty="0" err="1"/>
-              <a:t>input_fn</a:t>
-            </a:r>
-            <a:r>
-              <a:rPr lang="fr-FR" dirty="0"/>
-              <a:t>, </a:t>
-            </a:r>
-            <a:r>
-              <a:rPr lang="fr-FR" dirty="0" err="1"/>
-              <a:t>steps</a:t>
-            </a:r>
-            <a:r>
-              <a:rPr lang="fr-FR" dirty="0"/>
-              <a:t>=10)</a:t>
-            </a:r>
-          </a:p>
-        </p:txBody>
-      </p:sp>
-    </p:spTree>
-    <p:extLst>
-      <p:ext uri="{BB962C8B-B14F-4D97-AF65-F5344CB8AC3E}">
-        <p14:creationId xmlns:p14="http://schemas.microsoft.com/office/powerpoint/2010/main" val="350030229"/>
-      </p:ext>
-    </p:extLst>
-  </p:cSld>
-  <p:clrMapOvr>
-    <a:masterClrMapping/>
-  </p:clrMapOvr>
-</p:sld>
-</file>
-
-<file path=ppt/slides/slide27.xml><?xml version="1.0" encoding="utf-8"?>
-<p:sld xmlns:a="http://schemas.openxmlformats.org/drawingml/2006/main" xmlns:r="http://schemas.openxmlformats.org/officeDocument/2006/relationships" xmlns:p="http://schemas.openxmlformats.org/presentationml/2006/main">
-  <p:cSld>
-    <p:spTree>
-      <p:nvGrpSpPr>
-        <p:cNvPr id="1" name=""/>
-        <p:cNvGrpSpPr/>
-        <p:nvPr/>
-      </p:nvGrpSpPr>
-      <p:grpSpPr>
-        <a:xfrm>
-          <a:off x="0" y="0"/>
-          <a:ext cx="0" cy="0"/>
-          <a:chOff x="0" y="0"/>
-          <a:chExt cx="0" cy="0"/>
-        </a:xfrm>
-      </p:grpSpPr>
-      <p:sp>
-        <p:nvSpPr>
-          <p:cNvPr id="2" name="Titre 1"/>
-          <p:cNvSpPr>
-            <a:spLocks noGrp="1"/>
-          </p:cNvSpPr>
-          <p:nvPr>
-            <p:ph type="title"/>
-          </p:nvPr>
-        </p:nvSpPr>
-        <p:spPr/>
-        <p:txBody>
-          <a:bodyPr/>
-          <a:lstStyle/>
-          <a:p>
-            <a:r>
-              <a:rPr lang="fr-FR" smtClean="0"/>
-              <a:t>Multi_Worker</a:t>
-            </a:r>
-            <a:endParaRPr lang="fr-FR"/>
-          </a:p>
-        </p:txBody>
-      </p:sp>
-      <p:sp>
-        <p:nvSpPr>
-          <p:cNvPr id="3" name="Espace réservé du contenu 2"/>
-          <p:cNvSpPr>
-            <a:spLocks noGrp="1"/>
-          </p:cNvSpPr>
-          <p:nvPr>
-            <p:ph idx="1"/>
-          </p:nvPr>
-        </p:nvSpPr>
-        <p:spPr/>
-        <p:txBody>
-          <a:bodyPr/>
-          <a:lstStyle/>
-          <a:p>
-            <a:r>
-              <a:rPr lang="fr-FR" smtClean="0"/>
-              <a:t>Les multi_worker sont des clusters de GPU</a:t>
-            </a:r>
-          </a:p>
-          <a:p>
-            <a:r>
-              <a:rPr lang="fr-FR" smtClean="0"/>
-              <a:t>Les clusters de GPU doivent êtres définis dans</a:t>
-            </a:r>
-          </a:p>
-          <a:p>
-            <a:endParaRPr lang="fr-FR"/>
-          </a:p>
-          <a:p>
-            <a:endParaRPr lang="fr-FR" smtClean="0"/>
-          </a:p>
-          <a:p>
-            <a:endParaRPr lang="fr-FR"/>
-          </a:p>
-          <a:p>
-            <a:endParaRPr lang="fr-FR" smtClean="0"/>
-          </a:p>
-          <a:p>
-            <a:endParaRPr lang="fr-FR"/>
-          </a:p>
-          <a:p>
-            <a:r>
-              <a:rPr lang="fr-FR" smtClean="0"/>
-              <a:t>CollectiveAllReduceStrategy</a:t>
-            </a:r>
-          </a:p>
-          <a:p>
-            <a:pPr lvl="1"/>
-            <a:r>
-              <a:rPr lang="fr-FR" smtClean="0"/>
-              <a:t>Identique à MirroredStrategy avec des multiworker</a:t>
-            </a:r>
-          </a:p>
-          <a:p>
-            <a:r>
-              <a:rPr lang="fr-FR" smtClean="0"/>
-              <a:t>ParameterServerStrategy </a:t>
-            </a:r>
-            <a:endParaRPr lang="fr-FR"/>
-          </a:p>
-        </p:txBody>
-      </p:sp>
-      <p:pic>
-        <p:nvPicPr>
-          <p:cNvPr id="4" name="Image 3"/>
-          <p:cNvPicPr>
-            <a:picLocks noChangeAspect="1"/>
-          </p:cNvPicPr>
-          <p:nvPr/>
-        </p:nvPicPr>
-        <p:blipFill>
-          <a:blip r:embed="rId2"/>
-          <a:stretch>
-            <a:fillRect/>
-          </a:stretch>
-        </p:blipFill>
-        <p:spPr>
-          <a:xfrm>
-            <a:off x="1187624" y="2564904"/>
-            <a:ext cx="6813329" cy="1957561"/>
-          </a:xfrm>
-          <a:prstGeom prst="rect">
-            <a:avLst/>
-          </a:prstGeom>
-        </p:spPr>
-      </p:pic>
-    </p:spTree>
-    <p:extLst>
-      <p:ext uri="{BB962C8B-B14F-4D97-AF65-F5344CB8AC3E}">
-        <p14:creationId xmlns:p14="http://schemas.microsoft.com/office/powerpoint/2010/main" val="3763172644"/>
+        <p14:creationId xmlns:p14="http://schemas.microsoft.com/office/powerpoint/2010/main" val="206506512"/>
       </p:ext>
     </p:extLst>
   </p:cSld>

--- a/PPT/DeepLearning25-Keras.pptx
+++ b/PPT/DeepLearning25-Keras.pptx
@@ -5,10 +5,10 @@
     <p:sldMasterId id="2147483653" r:id="rId1"/>
   </p:sldMasterIdLst>
   <p:notesMasterIdLst>
-    <p:notesMasterId r:id="rId24"/>
+    <p:notesMasterId r:id="rId23"/>
   </p:notesMasterIdLst>
   <p:handoutMasterIdLst>
-    <p:handoutMasterId r:id="rId25"/>
+    <p:handoutMasterId r:id="rId24"/>
   </p:handoutMasterIdLst>
   <p:sldIdLst>
     <p:sldId id="264" r:id="rId2"/>
@@ -22,17 +22,16 @@
     <p:sldId id="316" r:id="rId10"/>
     <p:sldId id="303" r:id="rId11"/>
     <p:sldId id="304" r:id="rId12"/>
-    <p:sldId id="317" r:id="rId13"/>
-    <p:sldId id="305" r:id="rId14"/>
-    <p:sldId id="306" r:id="rId15"/>
-    <p:sldId id="320" r:id="rId16"/>
-    <p:sldId id="318" r:id="rId17"/>
-    <p:sldId id="319" r:id="rId18"/>
-    <p:sldId id="321" r:id="rId19"/>
-    <p:sldId id="322" r:id="rId20"/>
-    <p:sldId id="323" r:id="rId21"/>
-    <p:sldId id="324" r:id="rId22"/>
-    <p:sldId id="325" r:id="rId23"/>
+    <p:sldId id="305" r:id="rId13"/>
+    <p:sldId id="306" r:id="rId14"/>
+    <p:sldId id="320" r:id="rId15"/>
+    <p:sldId id="318" r:id="rId16"/>
+    <p:sldId id="319" r:id="rId17"/>
+    <p:sldId id="321" r:id="rId18"/>
+    <p:sldId id="322" r:id="rId19"/>
+    <p:sldId id="323" r:id="rId20"/>
+    <p:sldId id="324" r:id="rId21"/>
+    <p:sldId id="325" r:id="rId22"/>
   </p:sldIdLst>
   <p:sldSz cx="9144000" cy="6858000" type="screen4x3"/>
   <p:notesSz cx="6648450" cy="9782175"/>
@@ -3941,6 +3940,13 @@
   <p:clrMapOvr>
     <a:masterClrMapping/>
   </p:clrMapOvr>
+  <p:timing>
+    <p:tnLst>
+      <p:par>
+        <p:cTn id="1" dur="indefinite" restart="never" nodeType="tmRoot"/>
+      </p:par>
+    </p:tnLst>
+  </p:timing>
 </p:sld>
 </file>
 
@@ -4054,118 +4060,17 @@
   <p:clrMapOvr>
     <a:masterClrMapping/>
   </p:clrMapOvr>
+  <p:timing>
+    <p:tnLst>
+      <p:par>
+        <p:cTn id="1" dur="indefinite" restart="never" nodeType="tmRoot"/>
+      </p:par>
+    </p:tnLst>
+  </p:timing>
 </p:sld>
 </file>
 
 <file path=ppt/slides/slide12.xml><?xml version="1.0" encoding="utf-8"?>
-<p:sld xmlns:a="http://schemas.openxmlformats.org/drawingml/2006/main" xmlns:r="http://schemas.openxmlformats.org/officeDocument/2006/relationships" xmlns:p="http://schemas.openxmlformats.org/presentationml/2006/main">
-  <p:cSld>
-    <p:spTree>
-      <p:nvGrpSpPr>
-        <p:cNvPr id="1" name=""/>
-        <p:cNvGrpSpPr/>
-        <p:nvPr/>
-      </p:nvGrpSpPr>
-      <p:grpSpPr>
-        <a:xfrm>
-          <a:off x="0" y="0"/>
-          <a:ext cx="0" cy="0"/>
-          <a:chOff x="0" y="0"/>
-          <a:chExt cx="0" cy="0"/>
-        </a:xfrm>
-      </p:grpSpPr>
-      <p:sp>
-        <p:nvSpPr>
-          <p:cNvPr id="2" name="Titre 1"/>
-          <p:cNvSpPr>
-            <a:spLocks noGrp="1"/>
-          </p:cNvSpPr>
-          <p:nvPr>
-            <p:ph type="title"/>
-          </p:nvPr>
-        </p:nvSpPr>
-        <p:spPr/>
-        <p:txBody>
-          <a:bodyPr/>
-          <a:lstStyle/>
-          <a:p>
-            <a:r>
-              <a:rPr lang="fr-FR" dirty="0" smtClean="0"/>
-              <a:t>Evolution de </a:t>
-            </a:r>
-            <a:r>
-              <a:rPr lang="fr-FR" dirty="0" err="1" smtClean="0"/>
-              <a:t>loss</a:t>
-            </a:r>
-            <a:endParaRPr lang="fr-FR" dirty="0"/>
-          </a:p>
-        </p:txBody>
-      </p:sp>
-      <p:sp>
-        <p:nvSpPr>
-          <p:cNvPr id="3" name="Espace réservé du contenu 2"/>
-          <p:cNvSpPr>
-            <a:spLocks noGrp="1"/>
-          </p:cNvSpPr>
-          <p:nvPr>
-            <p:ph idx="1"/>
-          </p:nvPr>
-        </p:nvSpPr>
-        <p:spPr/>
-        <p:txBody>
-          <a:bodyPr/>
-          <a:lstStyle/>
-          <a:p>
-            <a:r>
-              <a:rPr lang="fr-FR" dirty="0" smtClean="0"/>
-              <a:t>Pour 5 </a:t>
-            </a:r>
-            <a:r>
-              <a:rPr lang="fr-FR" dirty="0" err="1" smtClean="0"/>
-              <a:t>epoch</a:t>
-            </a:r>
-            <a:endParaRPr lang="fr-FR" dirty="0"/>
-          </a:p>
-        </p:txBody>
-      </p:sp>
-      <p:pic>
-        <p:nvPicPr>
-          <p:cNvPr id="4" name="Image 3"/>
-          <p:cNvPicPr>
-            <a:picLocks noChangeAspect="1"/>
-          </p:cNvPicPr>
-          <p:nvPr/>
-        </p:nvPicPr>
-        <p:blipFill>
-          <a:blip r:embed="rId2"/>
-          <a:stretch>
-            <a:fillRect/>
-          </a:stretch>
-        </p:blipFill>
-        <p:spPr>
-          <a:xfrm>
-            <a:off x="1187624" y="2214008"/>
-            <a:ext cx="6408712" cy="3792696"/>
-          </a:xfrm>
-          <a:prstGeom prst="rect">
-            <a:avLst/>
-          </a:prstGeom>
-        </p:spPr>
-      </p:pic>
-    </p:spTree>
-    <p:extLst>
-      <p:ext uri="{BB962C8B-B14F-4D97-AF65-F5344CB8AC3E}">
-        <p14:creationId xmlns:p14="http://schemas.microsoft.com/office/powerpoint/2010/main" val="3057921103"/>
-      </p:ext>
-    </p:extLst>
-  </p:cSld>
-  <p:clrMapOvr>
-    <a:masterClrMapping/>
-  </p:clrMapOvr>
-</p:sld>
-</file>
-
-<file path=ppt/slides/slide13.xml><?xml version="1.0" encoding="utf-8"?>
 <p:sld xmlns:a="http://schemas.openxmlformats.org/drawingml/2006/main" xmlns:r="http://schemas.openxmlformats.org/officeDocument/2006/relationships" xmlns:p="http://schemas.openxmlformats.org/presentationml/2006/main">
   <p:cSld>
     <p:spTree>
@@ -4322,10 +4227,17 @@
   <p:clrMapOvr>
     <a:masterClrMapping/>
   </p:clrMapOvr>
+  <p:timing>
+    <p:tnLst>
+      <p:par>
+        <p:cTn id="1" dur="indefinite" restart="never" nodeType="tmRoot"/>
+      </p:par>
+    </p:tnLst>
+  </p:timing>
 </p:sld>
 </file>
 
-<file path=ppt/slides/slide14.xml><?xml version="1.0" encoding="utf-8"?>
+<file path=ppt/slides/slide13.xml><?xml version="1.0" encoding="utf-8"?>
 <p:sld xmlns:a="http://schemas.openxmlformats.org/drawingml/2006/main" xmlns:r="http://schemas.openxmlformats.org/officeDocument/2006/relationships" xmlns:p="http://schemas.openxmlformats.org/presentationml/2006/main">
   <p:cSld>
     <p:spTree>
@@ -4454,10 +4366,17 @@
   <p:clrMapOvr>
     <a:masterClrMapping/>
   </p:clrMapOvr>
+  <p:timing>
+    <p:tnLst>
+      <p:par>
+        <p:cTn id="1" dur="indefinite" restart="never" nodeType="tmRoot"/>
+      </p:par>
+    </p:tnLst>
+  </p:timing>
 </p:sld>
 </file>
 
-<file path=ppt/slides/slide15.xml><?xml version="1.0" encoding="utf-8"?>
+<file path=ppt/slides/slide14.xml><?xml version="1.0" encoding="utf-8"?>
 <p:sld xmlns:a="http://schemas.openxmlformats.org/drawingml/2006/main" xmlns:r="http://schemas.openxmlformats.org/officeDocument/2006/relationships" xmlns:p="http://schemas.openxmlformats.org/presentationml/2006/main">
   <p:cSld>
     <p:spTree>
@@ -4579,10 +4498,17 @@
   <p:clrMapOvr>
     <a:masterClrMapping/>
   </p:clrMapOvr>
+  <p:timing>
+    <p:tnLst>
+      <p:par>
+        <p:cTn id="1" dur="indefinite" restart="never" nodeType="tmRoot"/>
+      </p:par>
+    </p:tnLst>
+  </p:timing>
 </p:sld>
 </file>
 
-<file path=ppt/slides/slide16.xml><?xml version="1.0" encoding="utf-8"?>
+<file path=ppt/slides/slide15.xml><?xml version="1.0" encoding="utf-8"?>
 <p:sld xmlns:a="http://schemas.openxmlformats.org/drawingml/2006/main" xmlns:r="http://schemas.openxmlformats.org/officeDocument/2006/relationships" xmlns:p="http://schemas.openxmlformats.org/presentationml/2006/main">
   <p:cSld>
     <p:spTree>
@@ -4793,10 +4719,17 @@
   <p:clrMapOvr>
     <a:masterClrMapping/>
   </p:clrMapOvr>
+  <p:timing>
+    <p:tnLst>
+      <p:par>
+        <p:cTn id="1" dur="indefinite" restart="never" nodeType="tmRoot"/>
+      </p:par>
+    </p:tnLst>
+  </p:timing>
 </p:sld>
 </file>
 
-<file path=ppt/slides/slide17.xml><?xml version="1.0" encoding="utf-8"?>
+<file path=ppt/slides/slide16.xml><?xml version="1.0" encoding="utf-8"?>
 <p:sld xmlns:a="http://schemas.openxmlformats.org/drawingml/2006/main" xmlns:r="http://schemas.openxmlformats.org/officeDocument/2006/relationships" xmlns:p="http://schemas.openxmlformats.org/presentationml/2006/main">
   <p:cSld>
     <p:spTree>
@@ -5009,6 +4942,213 @@
   <p:clrMapOvr>
     <a:masterClrMapping/>
   </p:clrMapOvr>
+  <p:timing>
+    <p:tnLst>
+      <p:par>
+        <p:cTn id="1" dur="indefinite" restart="never" nodeType="tmRoot"/>
+      </p:par>
+    </p:tnLst>
+  </p:timing>
+</p:sld>
+</file>
+
+<file path=ppt/slides/slide17.xml><?xml version="1.0" encoding="utf-8"?>
+<p:sld xmlns:a="http://schemas.openxmlformats.org/drawingml/2006/main" xmlns:r="http://schemas.openxmlformats.org/officeDocument/2006/relationships" xmlns:p="http://schemas.openxmlformats.org/presentationml/2006/main">
+  <p:cSld>
+    <p:spTree>
+      <p:nvGrpSpPr>
+        <p:cNvPr id="1" name=""/>
+        <p:cNvGrpSpPr/>
+        <p:nvPr/>
+      </p:nvGrpSpPr>
+      <p:grpSpPr>
+        <a:xfrm>
+          <a:off x="0" y="0"/>
+          <a:ext cx="0" cy="0"/>
+          <a:chOff x="0" y="0"/>
+          <a:chExt cx="0" cy="0"/>
+        </a:xfrm>
+      </p:grpSpPr>
+      <p:sp>
+        <p:nvSpPr>
+          <p:cNvPr id="2" name="Titre 1"/>
+          <p:cNvSpPr>
+            <a:spLocks noGrp="1"/>
+          </p:cNvSpPr>
+          <p:nvPr>
+            <p:ph type="title"/>
+          </p:nvPr>
+        </p:nvSpPr>
+        <p:spPr/>
+        <p:txBody>
+          <a:bodyPr/>
+          <a:lstStyle/>
+          <a:p>
+            <a:r>
+              <a:rPr lang="fr-FR" dirty="0" err="1" smtClean="0"/>
+              <a:t>Keras</a:t>
+            </a:r>
+            <a:r>
+              <a:rPr lang="fr-FR" dirty="0" smtClean="0"/>
+              <a:t> en </a:t>
+            </a:r>
+            <a:r>
+              <a:rPr lang="fr-FR" dirty="0" err="1" smtClean="0"/>
+              <a:t>Lazy</a:t>
+            </a:r>
+            <a:r>
+              <a:rPr lang="fr-FR" dirty="0" smtClean="0"/>
+              <a:t> </a:t>
+            </a:r>
+            <a:r>
+              <a:rPr lang="fr-FR" dirty="0" err="1" smtClean="0"/>
+              <a:t>Loading</a:t>
+            </a:r>
+            <a:endParaRPr lang="fr-FR" dirty="0"/>
+          </a:p>
+        </p:txBody>
+      </p:sp>
+      <p:sp>
+        <p:nvSpPr>
+          <p:cNvPr id="3" name="Espace réservé du contenu 2"/>
+          <p:cNvSpPr>
+            <a:spLocks noGrp="1"/>
+          </p:cNvSpPr>
+          <p:nvPr>
+            <p:ph idx="1"/>
+          </p:nvPr>
+        </p:nvSpPr>
+        <p:spPr/>
+        <p:txBody>
+          <a:bodyPr/>
+          <a:lstStyle/>
+          <a:p>
+            <a:r>
+              <a:rPr lang="fr-FR" dirty="0" err="1" smtClean="0"/>
+              <a:t>Keras</a:t>
+            </a:r>
+            <a:r>
+              <a:rPr lang="fr-FR" dirty="0" smtClean="0"/>
+              <a:t> + Pandas est largement plus simple que les </a:t>
+            </a:r>
+            <a:r>
+              <a:rPr lang="fr-FR" dirty="0" err="1" smtClean="0"/>
+              <a:t>Estimators</a:t>
+            </a:r>
+            <a:r>
+              <a:rPr lang="fr-FR" dirty="0" smtClean="0"/>
+              <a:t> TF</a:t>
+            </a:r>
+          </a:p>
+          <a:p>
+            <a:r>
+              <a:rPr lang="fr-FR" dirty="0" smtClean="0"/>
+              <a:t>Cependant les data sont en mémoire</a:t>
+            </a:r>
+          </a:p>
+          <a:p>
+            <a:r>
+              <a:rPr lang="fr-FR" dirty="0" smtClean="0"/>
+              <a:t>Il est possible d'utiliser </a:t>
+            </a:r>
+            <a:r>
+              <a:rPr lang="fr-FR" dirty="0" err="1" smtClean="0"/>
+              <a:t>Keras</a:t>
+            </a:r>
+            <a:r>
+              <a:rPr lang="fr-FR" dirty="0" smtClean="0"/>
+              <a:t> avec les </a:t>
+            </a:r>
+            <a:r>
+              <a:rPr lang="fr-FR" dirty="0" err="1" smtClean="0"/>
+              <a:t>input_fn</a:t>
+            </a:r>
+            <a:endParaRPr lang="fr-FR" dirty="0" smtClean="0"/>
+          </a:p>
+          <a:p>
+            <a:pPr lvl="1"/>
+            <a:r>
+              <a:rPr lang="fr-FR" dirty="0" smtClean="0"/>
+              <a:t>Il suffit de renseigner </a:t>
+            </a:r>
+            <a:r>
+              <a:rPr lang="fr-FR" dirty="0" err="1" smtClean="0"/>
+              <a:t>input_fn</a:t>
+            </a:r>
+            <a:r>
+              <a:rPr lang="fr-FR" dirty="0" smtClean="0"/>
+              <a:t> dans train</a:t>
+            </a:r>
+          </a:p>
+          <a:p>
+            <a:pPr lvl="1"/>
+            <a:r>
+              <a:rPr lang="fr-FR" dirty="0" err="1"/>
+              <a:t>keras_estimator.train</a:t>
+            </a:r>
+            <a:r>
+              <a:rPr lang="fr-FR" dirty="0"/>
+              <a:t>(</a:t>
+            </a:r>
+            <a:r>
+              <a:rPr lang="fr-FR" dirty="0" err="1"/>
+              <a:t>input_fn</a:t>
+            </a:r>
+            <a:r>
+              <a:rPr lang="fr-FR" dirty="0"/>
+              <a:t>=</a:t>
+            </a:r>
+            <a:r>
+              <a:rPr lang="fr-FR" dirty="0" err="1"/>
+              <a:t>input_fn</a:t>
+            </a:r>
+            <a:r>
+              <a:rPr lang="fr-FR" dirty="0"/>
+              <a:t>, </a:t>
+            </a:r>
+            <a:r>
+              <a:rPr lang="fr-FR" dirty="0" err="1"/>
+              <a:t>steps</a:t>
+            </a:r>
+            <a:r>
+              <a:rPr lang="fr-FR" dirty="0"/>
+              <a:t>=10</a:t>
+            </a:r>
+            <a:r>
+              <a:rPr lang="fr-FR" dirty="0" smtClean="0"/>
+              <a:t>)</a:t>
+            </a:r>
+          </a:p>
+          <a:p>
+            <a:pPr lvl="1"/>
+            <a:r>
+              <a:rPr lang="fr-FR" dirty="0" smtClean="0"/>
+              <a:t>Attention le code devient plus complexe</a:t>
+            </a:r>
+            <a:endParaRPr lang="fr-FR" dirty="0"/>
+          </a:p>
+          <a:p>
+            <a:endParaRPr lang="fr-FR" dirty="0"/>
+          </a:p>
+        </p:txBody>
+      </p:sp>
+    </p:spTree>
+    <p:extLst>
+      <p:ext uri="{BB962C8B-B14F-4D97-AF65-F5344CB8AC3E}">
+        <p14:creationId xmlns:p14="http://schemas.microsoft.com/office/powerpoint/2010/main" val="1688624176"/>
+      </p:ext>
+    </p:extLst>
+  </p:cSld>
+  <p:clrMapOvr>
+    <a:masterClrMapping/>
+  </p:clrMapOvr>
+  <p:timing>
+    <p:tnLst>
+      <p:par>
+        <p:cTn id="1" dur="indefinite" restart="never" nodeType="tmRoot"/>
+      </p:par>
+    </p:tnLst>
+  </p:timing>
 </p:sld>
 </file>
 
@@ -5045,24 +5185,8 @@
           <a:lstStyle/>
           <a:p>
             <a:r>
-              <a:rPr lang="fr-FR" dirty="0" err="1" smtClean="0"/>
-              <a:t>Keras</a:t>
-            </a:r>
-            <a:r>
-              <a:rPr lang="fr-FR" dirty="0" smtClean="0"/>
-              <a:t> en </a:t>
-            </a:r>
-            <a:r>
-              <a:rPr lang="fr-FR" dirty="0" err="1" smtClean="0"/>
-              <a:t>Lazy</a:t>
-            </a:r>
-            <a:r>
-              <a:rPr lang="fr-FR" dirty="0" smtClean="0"/>
-              <a:t> </a:t>
-            </a:r>
-            <a:r>
-              <a:rPr lang="fr-FR" dirty="0" err="1" smtClean="0"/>
-              <a:t>Loading</a:t>
+              <a:rPr lang="fr-FR" dirty="0" smtClean="0"/>
+              <a:t>Randomisation</a:t>
             </a:r>
             <a:endParaRPr lang="fr-FR" dirty="0"/>
           </a:p>
@@ -5089,119 +5213,76 @@
             </a:r>
             <a:r>
               <a:rPr lang="fr-FR" dirty="0" smtClean="0"/>
-              <a:t> + Pandas est largement plus simple que les </a:t>
+              <a:t> permet de faire une randomisation sans </a:t>
             </a:r>
             <a:r>
               <a:rPr lang="fr-FR" dirty="0" err="1" smtClean="0"/>
-              <a:t>Estimators</a:t>
-            </a:r>
-            <a:r>
-              <a:rPr lang="fr-FR" dirty="0" smtClean="0"/>
-              <a:t> TF</a:t>
-            </a:r>
-          </a:p>
-          <a:p>
-            <a:r>
-              <a:rPr lang="fr-FR" dirty="0" smtClean="0"/>
-              <a:t>Cependant les data sont en mémoire</a:t>
-            </a:r>
-          </a:p>
-          <a:p>
-            <a:r>
-              <a:rPr lang="fr-FR" dirty="0" smtClean="0"/>
-              <a:t>Il est possible d'utiliser </a:t>
+              <a:t>SKLearn</a:t>
+            </a:r>
+            <a:endParaRPr lang="fr-FR" dirty="0" smtClean="0"/>
+          </a:p>
+          <a:p>
+            <a:pPr lvl="1"/>
+            <a:r>
+              <a:rPr lang="fr-FR" dirty="0" smtClean="0"/>
+              <a:t>fit(</a:t>
             </a:r>
             <a:r>
               <a:rPr lang="fr-FR" dirty="0" err="1" smtClean="0"/>
-              <a:t>Keras</a:t>
-            </a:r>
-            <a:r>
-              <a:rPr lang="fr-FR" dirty="0" smtClean="0"/>
-              <a:t> avec les </a:t>
+              <a:t>validation_split</a:t>
+            </a:r>
+            <a:r>
+              <a:rPr lang="fr-FR" dirty="0" smtClean="0"/>
+              <a:t> = 0.8)</a:t>
+            </a:r>
+          </a:p>
+          <a:p>
+            <a:pPr lvl="1"/>
+            <a:r>
+              <a:rPr lang="fr-FR" dirty="0" smtClean="0"/>
+              <a:t>ou fit(</a:t>
             </a:r>
             <a:r>
               <a:rPr lang="fr-FR" dirty="0" err="1" smtClean="0"/>
-              <a:t>input_fn</a:t>
+              <a:t>validation_data</a:t>
+            </a:r>
+            <a:r>
+              <a:rPr lang="fr-FR" dirty="0" smtClean="0"/>
+              <a:t>) qui permet de calculer le score sur le </a:t>
+            </a:r>
+            <a:r>
+              <a:rPr lang="fr-FR" dirty="0" err="1" smtClean="0"/>
+              <a:t>testing</a:t>
+            </a:r>
+            <a:r>
+              <a:rPr lang="fr-FR" dirty="0" smtClean="0"/>
+              <a:t> </a:t>
+            </a:r>
+            <a:r>
+              <a:rPr lang="fr-FR" dirty="0" smtClean="0"/>
+              <a:t>set</a:t>
             </a:r>
             <a:endParaRPr lang="fr-FR" dirty="0" smtClean="0"/>
-          </a:p>
-          <a:p>
-            <a:pPr lvl="1"/>
-            <a:r>
-              <a:rPr lang="fr-FR" dirty="0" smtClean="0"/>
-              <a:t>Il suffit de renseigner </a:t>
-            </a:r>
-            <a:r>
-              <a:rPr lang="fr-FR" dirty="0" err="1" smtClean="0"/>
-              <a:t>input_fn</a:t>
-            </a:r>
-            <a:r>
-              <a:rPr lang="fr-FR" dirty="0" smtClean="0"/>
-              <a:t> dans train</a:t>
-            </a:r>
-          </a:p>
-          <a:p>
-            <a:pPr lvl="1"/>
-            <a:r>
-              <a:rPr lang="fr-FR" dirty="0" err="1"/>
-              <a:t>keras_estimator.train</a:t>
-            </a:r>
-            <a:r>
-              <a:rPr lang="fr-FR" dirty="0"/>
-              <a:t>(</a:t>
-            </a:r>
-            <a:r>
-              <a:rPr lang="fr-FR" dirty="0" err="1"/>
-              <a:t>input_fn</a:t>
-            </a:r>
-            <a:r>
-              <a:rPr lang="fr-FR" dirty="0"/>
-              <a:t>=</a:t>
-            </a:r>
-            <a:r>
-              <a:rPr lang="fr-FR" dirty="0" err="1"/>
-              <a:t>input_fn</a:t>
-            </a:r>
-            <a:r>
-              <a:rPr lang="fr-FR" dirty="0"/>
-              <a:t>, </a:t>
-            </a:r>
-            <a:r>
-              <a:rPr lang="fr-FR" dirty="0" err="1"/>
-              <a:t>steps</a:t>
-            </a:r>
-            <a:r>
-              <a:rPr lang="fr-FR" dirty="0"/>
-              <a:t>=10</a:t>
-            </a:r>
-            <a:r>
-              <a:rPr lang="fr-FR" dirty="0" smtClean="0"/>
-              <a:t>)</a:t>
-            </a:r>
-          </a:p>
-          <a:p>
-            <a:pPr lvl="1"/>
-            <a:r>
-              <a:rPr lang="fr-FR" dirty="0" smtClean="0"/>
-              <a:t>Attention le code devient plus complexe</a:t>
-            </a:r>
-            <a:endParaRPr lang="fr-FR" dirty="0"/>
-          </a:p>
-          <a:p>
-            <a:endParaRPr lang="fr-FR" dirty="0"/>
           </a:p>
         </p:txBody>
       </p:sp>
     </p:spTree>
     <p:extLst>
       <p:ext uri="{BB962C8B-B14F-4D97-AF65-F5344CB8AC3E}">
-        <p14:creationId xmlns:p14="http://schemas.microsoft.com/office/powerpoint/2010/main" val="1688624176"/>
+        <p14:creationId xmlns:p14="http://schemas.microsoft.com/office/powerpoint/2010/main" val="1373490682"/>
       </p:ext>
     </p:extLst>
   </p:cSld>
   <p:clrMapOvr>
     <a:masterClrMapping/>
   </p:clrMapOvr>
+  <p:timing>
+    <p:tnLst>
+      <p:par>
+        <p:cTn id="1" dur="indefinite" restart="never" nodeType="tmRoot"/>
+      </p:par>
+    </p:tnLst>
+  </p:timing>
 </p:sld>
 </file>
 
@@ -5239,7 +5320,7 @@
           <a:p>
             <a:r>
               <a:rPr lang="fr-FR" dirty="0" smtClean="0"/>
-              <a:t>Randomisation</a:t>
+              <a:t>Normalisation</a:t>
             </a:r>
             <a:endParaRPr lang="fr-FR" dirty="0"/>
           </a:p>
@@ -5261,74 +5342,163 @@
           <a:lstStyle/>
           <a:p>
             <a:r>
-              <a:rPr lang="fr-FR" dirty="0" err="1" smtClean="0"/>
-              <a:t>Keras</a:t>
-            </a:r>
-            <a:r>
-              <a:rPr lang="fr-FR" dirty="0" smtClean="0"/>
-              <a:t> permet de faire une randomisation sans </a:t>
-            </a:r>
-            <a:r>
-              <a:rPr lang="fr-FR" dirty="0" err="1" smtClean="0"/>
-              <a:t>SKLearn</a:t>
+              <a:rPr lang="fr-FR" dirty="0" smtClean="0"/>
+              <a:t>TF permet de normaliser les données</a:t>
+            </a:r>
+          </a:p>
+          <a:p>
+            <a:pPr marL="457200" lvl="1" indent="0">
+              <a:buNone/>
+            </a:pPr>
+            <a:r>
+              <a:rPr lang="en-US" dirty="0" err="1"/>
+              <a:t>def</a:t>
+            </a:r>
+            <a:r>
+              <a:rPr lang="en-US" dirty="0"/>
+              <a:t> </a:t>
+            </a:r>
+            <a:r>
+              <a:rPr lang="en-US" dirty="0" smtClean="0"/>
+              <a:t>scaler(x):</a:t>
+            </a:r>
+            <a:endParaRPr lang="en-US" dirty="0"/>
+          </a:p>
+          <a:p>
+            <a:pPr marL="457200" lvl="1" indent="0">
+              <a:buNone/>
+            </a:pPr>
+            <a:r>
+              <a:rPr lang="en-US" dirty="0"/>
+              <a:t>  mean = 3.04</a:t>
+            </a:r>
+          </a:p>
+          <a:p>
+            <a:pPr marL="457200" lvl="1" indent="0">
+              <a:buNone/>
+            </a:pPr>
+            <a:r>
+              <a:rPr lang="en-US" dirty="0"/>
+              <a:t>  </a:t>
+            </a:r>
+            <a:r>
+              <a:rPr lang="en-US" dirty="0" err="1"/>
+              <a:t>std</a:t>
+            </a:r>
+            <a:r>
+              <a:rPr lang="en-US" dirty="0"/>
+              <a:t> = 1.2</a:t>
+            </a:r>
+          </a:p>
+          <a:p>
+            <a:pPr marL="457200" lvl="1" indent="0">
+              <a:buNone/>
+            </a:pPr>
+            <a:r>
+              <a:rPr lang="en-US" dirty="0"/>
+              <a:t>  return </a:t>
+            </a:r>
+            <a:r>
+              <a:rPr lang="en-US" dirty="0" smtClean="0"/>
+              <a:t>(x - </a:t>
+            </a:r>
+            <a:r>
+              <a:rPr lang="en-US" dirty="0"/>
+              <a:t>mean)/</a:t>
+            </a:r>
+            <a:r>
+              <a:rPr lang="en-US" dirty="0" err="1"/>
+              <a:t>std</a:t>
+            </a:r>
+            <a:endParaRPr lang="en-US" dirty="0"/>
+          </a:p>
+          <a:p>
+            <a:pPr marL="457200" lvl="1" indent="0">
+              <a:buNone/>
+            </a:pPr>
+            <a:endParaRPr lang="en-US" dirty="0"/>
+          </a:p>
+          <a:p>
+            <a:pPr marL="457200" lvl="1" indent="0">
+              <a:buNone/>
+            </a:pPr>
+            <a:r>
+              <a:rPr lang="en-US" dirty="0" err="1"/>
+              <a:t>normalized_feature</a:t>
+            </a:r>
+            <a:r>
+              <a:rPr lang="en-US" dirty="0"/>
+              <a:t> = </a:t>
+            </a:r>
+            <a:r>
+              <a:rPr lang="en-US" dirty="0" err="1"/>
+              <a:t>tf.feature_column.numeric_column</a:t>
+            </a:r>
+            <a:r>
+              <a:rPr lang="en-US" dirty="0"/>
+              <a:t>(</a:t>
+            </a:r>
+          </a:p>
+          <a:p>
+            <a:pPr marL="457200" lvl="1" indent="0">
+              <a:buNone/>
+            </a:pPr>
+            <a:r>
+              <a:rPr lang="en-US" dirty="0"/>
+              <a:t>  </a:t>
+            </a:r>
+            <a:r>
+              <a:rPr lang="en-US" dirty="0" err="1"/>
+              <a:t>feature_name</a:t>
+            </a:r>
+            <a:r>
+              <a:rPr lang="en-US" dirty="0"/>
+              <a:t>,</a:t>
+            </a:r>
+          </a:p>
+          <a:p>
+            <a:pPr marL="457200" lvl="1" indent="0">
+              <a:buNone/>
+            </a:pPr>
+            <a:r>
+              <a:rPr lang="en-US" dirty="0"/>
+              <a:t>  </a:t>
+            </a:r>
+            <a:r>
+              <a:rPr lang="en-US" dirty="0" err="1" smtClean="0"/>
+              <a:t>normalizer_fn</a:t>
+            </a:r>
+            <a:r>
+              <a:rPr lang="en-US" dirty="0" smtClean="0"/>
+              <a:t>=scaler)</a:t>
             </a:r>
             <a:endParaRPr lang="fr-FR" dirty="0" smtClean="0"/>
           </a:p>
           <a:p>
-            <a:pPr lvl="1"/>
-            <a:r>
-              <a:rPr lang="fr-FR" dirty="0" smtClean="0"/>
-              <a:t>fit(</a:t>
-            </a:r>
-            <a:r>
-              <a:rPr lang="fr-FR" dirty="0" err="1" smtClean="0"/>
-              <a:t>validation_split</a:t>
-            </a:r>
-            <a:r>
-              <a:rPr lang="fr-FR" dirty="0" smtClean="0"/>
-              <a:t> = 0.8)</a:t>
-            </a:r>
-          </a:p>
-          <a:p>
-            <a:pPr lvl="1"/>
-            <a:r>
-              <a:rPr lang="fr-FR" dirty="0" smtClean="0"/>
-              <a:t>ou fit(</a:t>
-            </a:r>
-            <a:r>
-              <a:rPr lang="fr-FR" dirty="0" err="1" smtClean="0"/>
-              <a:t>validation_data</a:t>
-            </a:r>
-            <a:r>
-              <a:rPr lang="fr-FR" dirty="0" smtClean="0"/>
-              <a:t>) qui permet de calculer le score sur le </a:t>
-            </a:r>
-            <a:r>
-              <a:rPr lang="fr-FR" dirty="0" err="1" smtClean="0"/>
-              <a:t>testing</a:t>
-            </a:r>
-            <a:r>
-              <a:rPr lang="fr-FR" dirty="0" smtClean="0"/>
-              <a:t> </a:t>
-            </a:r>
-            <a:r>
-              <a:rPr lang="fr-FR" dirty="0" smtClean="0"/>
-              <a:t>set</a:t>
-            </a:r>
             <a:endParaRPr lang="fr-FR" dirty="0" smtClean="0"/>
+          </a:p>
+          <a:p>
+            <a:endParaRPr lang="fr-FR" dirty="0"/>
           </a:p>
         </p:txBody>
       </p:sp>
     </p:spTree>
     <p:extLst>
       <p:ext uri="{BB962C8B-B14F-4D97-AF65-F5344CB8AC3E}">
-        <p14:creationId xmlns:p14="http://schemas.microsoft.com/office/powerpoint/2010/main" val="1373490682"/>
+        <p14:creationId xmlns:p14="http://schemas.microsoft.com/office/powerpoint/2010/main" val="3633181524"/>
       </p:ext>
     </p:extLst>
   </p:cSld>
   <p:clrMapOvr>
     <a:masterClrMapping/>
   </p:clrMapOvr>
+  <p:timing>
+    <p:tnLst>
+      <p:par>
+        <p:cTn id="1" dur="indefinite" restart="never" nodeType="tmRoot"/>
+      </p:par>
+    </p:tnLst>
+  </p:timing>
 </p:sld>
 </file>
 
@@ -5580,6 +5750,13 @@
   <p:clrMapOvr>
     <a:masterClrMapping/>
   </p:clrMapOvr>
+  <p:timing>
+    <p:tnLst>
+      <p:par>
+        <p:cTn id="1" dur="indefinite" restart="never" nodeType="tmRoot"/>
+      </p:par>
+    </p:tnLst>
+  </p:timing>
 </p:sld>
 </file>
 
@@ -5616,10 +5793,10 @@
           <a:lstStyle/>
           <a:p>
             <a:r>
-              <a:rPr lang="fr-FR" dirty="0" smtClean="0"/>
-              <a:t>Normalisation</a:t>
-            </a:r>
-            <a:endParaRPr lang="fr-FR" dirty="0"/>
+              <a:rPr lang="fr-FR" smtClean="0"/>
+              <a:t>Conversion Keras - TF</a:t>
+            </a:r>
+            <a:endParaRPr lang="fr-FR"/>
           </a:p>
         </p:txBody>
       </p:sp>
@@ -5640,155 +5817,67 @@
           <a:p>
             <a:r>
               <a:rPr lang="fr-FR" dirty="0" smtClean="0"/>
-              <a:t>TF permet de normaliser les données</a:t>
-            </a:r>
-          </a:p>
-          <a:p>
-            <a:pPr marL="457200" lvl="1" indent="0">
-              <a:buNone/>
-            </a:pPr>
-            <a:r>
-              <a:rPr lang="en-US" dirty="0" err="1"/>
-              <a:t>def</a:t>
-            </a:r>
-            <a:r>
-              <a:rPr lang="en-US" dirty="0"/>
-              <a:t> </a:t>
-            </a:r>
-            <a:r>
-              <a:rPr lang="en-US" dirty="0" smtClean="0"/>
-              <a:t>scaler(x):</a:t>
-            </a:r>
-            <a:endParaRPr lang="en-US" dirty="0"/>
-          </a:p>
-          <a:p>
-            <a:pPr marL="457200" lvl="1" indent="0">
-              <a:buNone/>
-            </a:pPr>
-            <a:r>
-              <a:rPr lang="en-US" dirty="0"/>
-              <a:t>  mean = 3.04</a:t>
-            </a:r>
-          </a:p>
-          <a:p>
-            <a:pPr marL="457200" lvl="1" indent="0">
-              <a:buNone/>
-            </a:pPr>
-            <a:r>
-              <a:rPr lang="en-US" dirty="0"/>
-              <a:t>  </a:t>
-            </a:r>
-            <a:r>
-              <a:rPr lang="en-US" dirty="0" err="1"/>
-              <a:t>std</a:t>
-            </a:r>
-            <a:r>
-              <a:rPr lang="en-US" dirty="0"/>
-              <a:t> = 1.2</a:t>
-            </a:r>
-          </a:p>
-          <a:p>
-            <a:pPr marL="457200" lvl="1" indent="0">
-              <a:buNone/>
-            </a:pPr>
-            <a:r>
-              <a:rPr lang="en-US" dirty="0"/>
-              <a:t>  return </a:t>
-            </a:r>
-            <a:r>
-              <a:rPr lang="en-US" dirty="0" smtClean="0"/>
-              <a:t>(x - </a:t>
-            </a:r>
-            <a:r>
-              <a:rPr lang="en-US" dirty="0"/>
-              <a:t>mean)/</a:t>
-            </a:r>
-            <a:r>
-              <a:rPr lang="en-US" dirty="0" err="1"/>
-              <a:t>std</a:t>
-            </a:r>
-            <a:endParaRPr lang="en-US" dirty="0"/>
-          </a:p>
-          <a:p>
-            <a:pPr marL="457200" lvl="1" indent="0">
-              <a:buNone/>
-            </a:pPr>
-            <a:endParaRPr lang="en-US" dirty="0"/>
-          </a:p>
-          <a:p>
-            <a:pPr marL="457200" lvl="1" indent="0">
-              <a:buNone/>
-            </a:pPr>
-            <a:r>
-              <a:rPr lang="en-US" dirty="0" err="1"/>
-              <a:t>normalized_feature</a:t>
-            </a:r>
-            <a:r>
-              <a:rPr lang="en-US" dirty="0"/>
+              <a:t>Il est possible de récupérer l'</a:t>
+            </a:r>
+            <a:r>
+              <a:rPr lang="fr-FR" dirty="0" err="1" smtClean="0"/>
+              <a:t>Estimator</a:t>
+            </a:r>
+            <a:r>
+              <a:rPr lang="fr-FR" dirty="0" smtClean="0"/>
+              <a:t> TF depuis </a:t>
+            </a:r>
+            <a:r>
+              <a:rPr lang="fr-FR" dirty="0" err="1" smtClean="0"/>
+              <a:t>Keras</a:t>
+            </a:r>
+            <a:endParaRPr lang="fr-FR" dirty="0" smtClean="0"/>
+          </a:p>
+          <a:p>
+            <a:pPr lvl="1"/>
+            <a:r>
+              <a:rPr lang="fr-FR" dirty="0" err="1"/>
+              <a:t>estimator</a:t>
+            </a:r>
+            <a:r>
+              <a:rPr lang="fr-FR" dirty="0"/>
               <a:t> = </a:t>
             </a:r>
             <a:r>
-              <a:rPr lang="en-US" dirty="0" err="1"/>
-              <a:t>tf.feature_column.numeric_column</a:t>
-            </a:r>
-            <a:r>
-              <a:rPr lang="en-US" dirty="0"/>
-              <a:t>(</a:t>
-            </a:r>
-          </a:p>
-          <a:p>
-            <a:pPr marL="457200" lvl="1" indent="0">
-              <a:buNone/>
-            </a:pPr>
-            <a:r>
-              <a:rPr lang="en-US" dirty="0"/>
-              <a:t>  </a:t>
-            </a:r>
-            <a:r>
-              <a:rPr lang="en-US" dirty="0" err="1"/>
-              <a:t>feature_name</a:t>
-            </a:r>
-            <a:r>
-              <a:rPr lang="en-US" dirty="0"/>
-              <a:t>,</a:t>
-            </a:r>
-          </a:p>
-          <a:p>
-            <a:pPr marL="457200" lvl="1" indent="0">
-              <a:buNone/>
-            </a:pPr>
-            <a:r>
-              <a:rPr lang="en-US" dirty="0"/>
-              <a:t>  </a:t>
-            </a:r>
-            <a:r>
-              <a:rPr lang="en-US" dirty="0" err="1" smtClean="0"/>
-              <a:t>normalizer_fn</a:t>
-            </a:r>
-            <a:r>
-              <a:rPr lang="en-US" dirty="0" smtClean="0"/>
-              <a:t>=scaler)</a:t>
-            </a:r>
+              <a:rPr lang="fr-FR" dirty="0" err="1"/>
+              <a:t>tf.keras.estimator.model_to_estimator</a:t>
+            </a:r>
+            <a:r>
+              <a:rPr lang="fr-FR" dirty="0"/>
+              <a:t>(model</a:t>
+            </a:r>
+            <a:r>
+              <a:rPr lang="fr-FR" dirty="0" smtClean="0"/>
+              <a:t>)</a:t>
+            </a:r>
+          </a:p>
+          <a:p>
             <a:endParaRPr lang="fr-FR" dirty="0" smtClean="0"/>
-          </a:p>
-          <a:p>
-            <a:endParaRPr lang="fr-FR" dirty="0" smtClean="0"/>
-          </a:p>
-          <a:p>
-            <a:endParaRPr lang="fr-FR" dirty="0"/>
           </a:p>
         </p:txBody>
       </p:sp>
     </p:spTree>
     <p:extLst>
       <p:ext uri="{BB962C8B-B14F-4D97-AF65-F5344CB8AC3E}">
-        <p14:creationId xmlns:p14="http://schemas.microsoft.com/office/powerpoint/2010/main" val="3633181524"/>
+        <p14:creationId xmlns:p14="http://schemas.microsoft.com/office/powerpoint/2010/main" val="2100591507"/>
       </p:ext>
     </p:extLst>
   </p:cSld>
   <p:clrMapOvr>
     <a:masterClrMapping/>
   </p:clrMapOvr>
+  <p:timing>
+    <p:tnLst>
+      <p:par>
+        <p:cTn id="1" dur="indefinite" restart="never" nodeType="tmRoot"/>
+      </p:par>
+    </p:tnLst>
+  </p:timing>
 </p:sld>
 </file>
 
@@ -5825,10 +5914,14 @@
           <a:lstStyle/>
           <a:p>
             <a:r>
-              <a:rPr lang="fr-FR" smtClean="0"/>
-              <a:t>Conversion Keras - TF</a:t>
-            </a:r>
-            <a:endParaRPr lang="fr-FR"/>
+              <a:rPr lang="fr-FR" dirty="0" err="1" smtClean="0"/>
+              <a:t>TensorFlow</a:t>
+            </a:r>
+            <a:r>
+              <a:rPr lang="fr-FR" dirty="0" smtClean="0"/>
+              <a:t> Lite</a:t>
+            </a:r>
+            <a:endParaRPr lang="fr-FR" dirty="0"/>
           </a:p>
         </p:txBody>
       </p:sp>
@@ -5849,124 +5942,6 @@
           <a:p>
             <a:r>
               <a:rPr lang="fr-FR" dirty="0" smtClean="0"/>
-              <a:t>Il est possible de récupérer l'</a:t>
-            </a:r>
-            <a:r>
-              <a:rPr lang="fr-FR" dirty="0" err="1" smtClean="0"/>
-              <a:t>Estimator</a:t>
-            </a:r>
-            <a:r>
-              <a:rPr lang="fr-FR" dirty="0" smtClean="0"/>
-              <a:t> TF depuis </a:t>
-            </a:r>
-            <a:r>
-              <a:rPr lang="fr-FR" dirty="0" err="1" smtClean="0"/>
-              <a:t>Keras</a:t>
-            </a:r>
-            <a:endParaRPr lang="fr-FR" dirty="0" smtClean="0"/>
-          </a:p>
-          <a:p>
-            <a:pPr lvl="1"/>
-            <a:r>
-              <a:rPr lang="fr-FR" dirty="0" err="1"/>
-              <a:t>estimator</a:t>
-            </a:r>
-            <a:r>
-              <a:rPr lang="fr-FR" dirty="0"/>
-              <a:t> = </a:t>
-            </a:r>
-            <a:r>
-              <a:rPr lang="fr-FR" dirty="0" err="1"/>
-              <a:t>tf.keras.estimator.model_to_estimator</a:t>
-            </a:r>
-            <a:r>
-              <a:rPr lang="fr-FR" dirty="0"/>
-              <a:t>(model</a:t>
-            </a:r>
-            <a:r>
-              <a:rPr lang="fr-FR" dirty="0" smtClean="0"/>
-              <a:t>)</a:t>
-            </a:r>
-          </a:p>
-          <a:p>
-            <a:endParaRPr lang="fr-FR" dirty="0" smtClean="0"/>
-          </a:p>
-        </p:txBody>
-      </p:sp>
-    </p:spTree>
-    <p:extLst>
-      <p:ext uri="{BB962C8B-B14F-4D97-AF65-F5344CB8AC3E}">
-        <p14:creationId xmlns:p14="http://schemas.microsoft.com/office/powerpoint/2010/main" val="2100591507"/>
-      </p:ext>
-    </p:extLst>
-  </p:cSld>
-  <p:clrMapOvr>
-    <a:masterClrMapping/>
-  </p:clrMapOvr>
-</p:sld>
-</file>
-
-<file path=ppt/slides/slide22.xml><?xml version="1.0" encoding="utf-8"?>
-<p:sld xmlns:a="http://schemas.openxmlformats.org/drawingml/2006/main" xmlns:r="http://schemas.openxmlformats.org/officeDocument/2006/relationships" xmlns:p="http://schemas.openxmlformats.org/presentationml/2006/main">
-  <p:cSld>
-    <p:spTree>
-      <p:nvGrpSpPr>
-        <p:cNvPr id="1" name=""/>
-        <p:cNvGrpSpPr/>
-        <p:nvPr/>
-      </p:nvGrpSpPr>
-      <p:grpSpPr>
-        <a:xfrm>
-          <a:off x="0" y="0"/>
-          <a:ext cx="0" cy="0"/>
-          <a:chOff x="0" y="0"/>
-          <a:chExt cx="0" cy="0"/>
-        </a:xfrm>
-      </p:grpSpPr>
-      <p:sp>
-        <p:nvSpPr>
-          <p:cNvPr id="2" name="Titre 1"/>
-          <p:cNvSpPr>
-            <a:spLocks noGrp="1"/>
-          </p:cNvSpPr>
-          <p:nvPr>
-            <p:ph type="title"/>
-          </p:nvPr>
-        </p:nvSpPr>
-        <p:spPr/>
-        <p:txBody>
-          <a:bodyPr/>
-          <a:lstStyle/>
-          <a:p>
-            <a:r>
-              <a:rPr lang="fr-FR" dirty="0" err="1" smtClean="0"/>
-              <a:t>TensorFlow</a:t>
-            </a:r>
-            <a:r>
-              <a:rPr lang="fr-FR" dirty="0" smtClean="0"/>
-              <a:t> Lite</a:t>
-            </a:r>
-            <a:endParaRPr lang="fr-FR" dirty="0"/>
-          </a:p>
-        </p:txBody>
-      </p:sp>
-      <p:sp>
-        <p:nvSpPr>
-          <p:cNvPr id="3" name="Espace réservé du contenu 2"/>
-          <p:cNvSpPr>
-            <a:spLocks noGrp="1"/>
-          </p:cNvSpPr>
-          <p:nvPr>
-            <p:ph idx="1"/>
-          </p:nvPr>
-        </p:nvSpPr>
-        <p:spPr/>
-        <p:txBody>
-          <a:bodyPr/>
-          <a:lstStyle/>
-          <a:p>
-            <a:r>
-              <a:rPr lang="fr-FR" dirty="0" smtClean="0"/>
               <a:t>Distribution légère</a:t>
             </a:r>
           </a:p>
@@ -6039,13 +6014,8 @@
             <a:pPr lvl="1"/>
             <a:r>
               <a:rPr lang="fr-FR" dirty="0" smtClean="0"/>
-              <a:t>Marche sur </a:t>
-            </a:r>
-            <a:r>
-              <a:rPr lang="fr-FR" smtClean="0"/>
-              <a:t>les navigateurs modernes</a:t>
-            </a:r>
-            <a:endParaRPr lang="fr-FR" dirty="0" smtClean="0"/>
+              <a:t>Marche sur les navigateurs modernes</a:t>
+            </a:r>
           </a:p>
         </p:txBody>
       </p:sp>
@@ -6059,6 +6029,13 @@
   <p:clrMapOvr>
     <a:masterClrMapping/>
   </p:clrMapOvr>
+  <p:timing>
+    <p:tnLst>
+      <p:par>
+        <p:cTn id="1" dur="indefinite" restart="never" nodeType="tmRoot"/>
+      </p:par>
+    </p:tnLst>
+  </p:timing>
 </p:sld>
 </file>
 
@@ -6221,6 +6198,13 @@
   <p:clrMapOvr>
     <a:masterClrMapping/>
   </p:clrMapOvr>
+  <p:timing>
+    <p:tnLst>
+      <p:par>
+        <p:cTn id="1" dur="indefinite" restart="never" nodeType="tmRoot"/>
+      </p:par>
+    </p:tnLst>
+  </p:timing>
 </p:sld>
 </file>
 
@@ -6357,6 +6341,13 @@
   <p:clrMapOvr>
     <a:masterClrMapping/>
   </p:clrMapOvr>
+  <p:timing>
+    <p:tnLst>
+      <p:par>
+        <p:cTn id="1" dur="indefinite" restart="never" nodeType="tmRoot"/>
+      </p:par>
+    </p:tnLst>
+  </p:timing>
 </p:sld>
 </file>
 
@@ -6673,6 +6664,13 @@
   <p:clrMapOvr>
     <a:masterClrMapping/>
   </p:clrMapOvr>
+  <p:timing>
+    <p:tnLst>
+      <p:par>
+        <p:cTn id="1" dur="indefinite" restart="never" nodeType="tmRoot"/>
+      </p:par>
+    </p:tnLst>
+  </p:timing>
 </p:sld>
 </file>
 
@@ -6906,6 +6904,13 @@
   <p:clrMapOvr>
     <a:masterClrMapping/>
   </p:clrMapOvr>
+  <p:timing>
+    <p:tnLst>
+      <p:par>
+        <p:cTn id="1" dur="indefinite" restart="never" nodeType="tmRoot"/>
+      </p:par>
+    </p:tnLst>
+  </p:timing>
 </p:sld>
 </file>
 
@@ -7170,6 +7175,13 @@
   <p:clrMapOvr>
     <a:masterClrMapping/>
   </p:clrMapOvr>
+  <p:timing>
+    <p:tnLst>
+      <p:par>
+        <p:cTn id="1" dur="indefinite" restart="never" nodeType="tmRoot"/>
+      </p:par>
+    </p:tnLst>
+  </p:timing>
 </p:sld>
 </file>
 
@@ -7352,6 +7364,13 @@
   <p:clrMapOvr>
     <a:masterClrMapping/>
   </p:clrMapOvr>
+  <p:timing>
+    <p:tnLst>
+      <p:par>
+        <p:cTn id="1" dur="indefinite" restart="never" nodeType="tmRoot"/>
+      </p:par>
+    </p:tnLst>
+  </p:timing>
 </p:sld>
 </file>
 
@@ -7460,6 +7479,13 @@
   <p:clrMapOvr>
     <a:masterClrMapping/>
   </p:clrMapOvr>
+  <p:timing>
+    <p:tnLst>
+      <p:par>
+        <p:cTn id="1" dur="indefinite" restart="never" nodeType="tmRoot"/>
+      </p:par>
+    </p:tnLst>
+  </p:timing>
 </p:sld>
 </file>
 
